--- a/oriDocs/Architektur_inkl_IP.pptx
+++ b/oriDocs/Architektur_inkl_IP.pptx
@@ -2,21 +2,21 @@
 <file path=ppt/presentation.xml><?xml version="1.0" encoding="utf-8"?>
 <p:presentation xmlns:a="http://schemas.openxmlformats.org/drawingml/2006/main" xmlns:r="http://schemas.openxmlformats.org/officeDocument/2006/relationships" xmlns:p="http://schemas.openxmlformats.org/presentationml/2006/main" saveSubsetFonts="1" autoCompressPictures="0">
   <p:sldMasterIdLst>
-    <p:sldMasterId id="2147483648" r:id="rId1"/>
+    <p:sldMasterId id="2147483660" r:id="rId1"/>
   </p:sldMasterIdLst>
   <p:notesMasterIdLst>
     <p:notesMasterId r:id="rId3"/>
   </p:notesMasterIdLst>
   <p:sldIdLst>
-    <p:sldId id="258" r:id="rId2"/>
+    <p:sldId id="259" r:id="rId2"/>
   </p:sldIdLst>
-  <p:sldSz cx="12192000" cy="6858000"/>
+  <p:sldSz cx="9144000" cy="6858000" type="screen4x3"/>
   <p:notesSz cx="6858000" cy="9144000"/>
   <p:defaultTextStyle>
     <a:defPPr>
-      <a:defRPr lang="de-DE"/>
+      <a:defRPr lang="en-US"/>
     </a:defPPr>
-    <a:lvl1pPr marL="0" algn="l" defTabSz="914400" rtl="0" eaLnBrk="1" latinLnBrk="0" hangingPunct="1">
+    <a:lvl1pPr marL="0" algn="l" defTabSz="457200" rtl="0" eaLnBrk="1" latinLnBrk="0" hangingPunct="1">
       <a:defRPr sz="1800" kern="1200">
         <a:solidFill>
           <a:schemeClr val="tx1"/>
@@ -26,7 +26,7 @@
         <a:cs typeface="+mn-cs"/>
       </a:defRPr>
     </a:lvl1pPr>
-    <a:lvl2pPr marL="457200" algn="l" defTabSz="914400" rtl="0" eaLnBrk="1" latinLnBrk="0" hangingPunct="1">
+    <a:lvl2pPr marL="457200" algn="l" defTabSz="457200" rtl="0" eaLnBrk="1" latinLnBrk="0" hangingPunct="1">
       <a:defRPr sz="1800" kern="1200">
         <a:solidFill>
           <a:schemeClr val="tx1"/>
@@ -36,7 +36,7 @@
         <a:cs typeface="+mn-cs"/>
       </a:defRPr>
     </a:lvl2pPr>
-    <a:lvl3pPr marL="914400" algn="l" defTabSz="914400" rtl="0" eaLnBrk="1" latinLnBrk="0" hangingPunct="1">
+    <a:lvl3pPr marL="914400" algn="l" defTabSz="457200" rtl="0" eaLnBrk="1" latinLnBrk="0" hangingPunct="1">
       <a:defRPr sz="1800" kern="1200">
         <a:solidFill>
           <a:schemeClr val="tx1"/>
@@ -46,7 +46,7 @@
         <a:cs typeface="+mn-cs"/>
       </a:defRPr>
     </a:lvl3pPr>
-    <a:lvl4pPr marL="1371600" algn="l" defTabSz="914400" rtl="0" eaLnBrk="1" latinLnBrk="0" hangingPunct="1">
+    <a:lvl4pPr marL="1371600" algn="l" defTabSz="457200" rtl="0" eaLnBrk="1" latinLnBrk="0" hangingPunct="1">
       <a:defRPr sz="1800" kern="1200">
         <a:solidFill>
           <a:schemeClr val="tx1"/>
@@ -56,7 +56,7 @@
         <a:cs typeface="+mn-cs"/>
       </a:defRPr>
     </a:lvl4pPr>
-    <a:lvl5pPr marL="1828800" algn="l" defTabSz="914400" rtl="0" eaLnBrk="1" latinLnBrk="0" hangingPunct="1">
+    <a:lvl5pPr marL="1828800" algn="l" defTabSz="457200" rtl="0" eaLnBrk="1" latinLnBrk="0" hangingPunct="1">
       <a:defRPr sz="1800" kern="1200">
         <a:solidFill>
           <a:schemeClr val="tx1"/>
@@ -66,7 +66,7 @@
         <a:cs typeface="+mn-cs"/>
       </a:defRPr>
     </a:lvl5pPr>
-    <a:lvl6pPr marL="2286000" algn="l" defTabSz="914400" rtl="0" eaLnBrk="1" latinLnBrk="0" hangingPunct="1">
+    <a:lvl6pPr marL="2286000" algn="l" defTabSz="457200" rtl="0" eaLnBrk="1" latinLnBrk="0" hangingPunct="1">
       <a:defRPr sz="1800" kern="1200">
         <a:solidFill>
           <a:schemeClr val="tx1"/>
@@ -76,7 +76,7 @@
         <a:cs typeface="+mn-cs"/>
       </a:defRPr>
     </a:lvl6pPr>
-    <a:lvl7pPr marL="2743200" algn="l" defTabSz="914400" rtl="0" eaLnBrk="1" latinLnBrk="0" hangingPunct="1">
+    <a:lvl7pPr marL="2743200" algn="l" defTabSz="457200" rtl="0" eaLnBrk="1" latinLnBrk="0" hangingPunct="1">
       <a:defRPr sz="1800" kern="1200">
         <a:solidFill>
           <a:schemeClr val="tx1"/>
@@ -86,7 +86,7 @@
         <a:cs typeface="+mn-cs"/>
       </a:defRPr>
     </a:lvl7pPr>
-    <a:lvl8pPr marL="3200400" algn="l" defTabSz="914400" rtl="0" eaLnBrk="1" latinLnBrk="0" hangingPunct="1">
+    <a:lvl8pPr marL="3200400" algn="l" defTabSz="457200" rtl="0" eaLnBrk="1" latinLnBrk="0" hangingPunct="1">
       <a:defRPr sz="1800" kern="1200">
         <a:solidFill>
           <a:schemeClr val="tx1"/>
@@ -96,7 +96,7 @@
         <a:cs typeface="+mn-cs"/>
       </a:defRPr>
     </a:lvl8pPr>
-    <a:lvl9pPr marL="3657600" algn="l" defTabSz="914400" rtl="0" eaLnBrk="1" latinLnBrk="0" hangingPunct="1">
+    <a:lvl9pPr marL="3657600" algn="l" defTabSz="457200" rtl="0" eaLnBrk="1" latinLnBrk="0" hangingPunct="1">
       <a:defRPr sz="1800" kern="1200">
         <a:solidFill>
           <a:schemeClr val="tx1"/>
@@ -367,7 +367,7 @@
           <a:p>
             <a:fld id="{E679DB1F-D61D-433C-BF0D-19DF96EA831A}" type="datetimeFigureOut">
               <a:rPr lang="de-DE" smtClean="0"/>
-              <a:t>22.10.2019</a:t>
+              <a:t>27.10.2019</a:t>
             </a:fld>
             <a:endParaRPr lang="de-DE"/>
           </a:p>
@@ -385,8 +385,8 @@
         </p:nvSpPr>
         <p:spPr>
           <a:xfrm>
-            <a:off x="685800" y="1143000"/>
-            <a:ext cx="5486400" cy="3086100"/>
+            <a:off x="1371600" y="1143000"/>
+            <a:ext cx="4114800" cy="3086100"/>
           </a:xfrm>
           <a:prstGeom prst="rect">
             <a:avLst/>
@@ -635,311 +635,6 @@
 </p:notesMaster>
 </file>
 
-<file path=ppt/notesSlides/notesSlide1.xml><?xml version="1.0" encoding="utf-8"?>
-<p:notes xmlns:a="http://schemas.openxmlformats.org/drawingml/2006/main" xmlns:r="http://schemas.openxmlformats.org/officeDocument/2006/relationships" xmlns:p="http://schemas.openxmlformats.org/presentationml/2006/main">
-  <p:cSld>
-    <p:spTree>
-      <p:nvGrpSpPr>
-        <p:cNvPr id="1" name=""/>
-        <p:cNvGrpSpPr/>
-        <p:nvPr/>
-      </p:nvGrpSpPr>
-      <p:grpSpPr>
-        <a:xfrm>
-          <a:off x="0" y="0"/>
-          <a:ext cx="0" cy="0"/>
-          <a:chOff x="0" y="0"/>
-          <a:chExt cx="0" cy="0"/>
-        </a:xfrm>
-      </p:grpSpPr>
-      <p:sp>
-        <p:nvSpPr>
-          <p:cNvPr id="2" name="Slide Image Placeholder 1"/>
-          <p:cNvSpPr>
-            <a:spLocks noGrp="1" noRot="1" noChangeAspect="1"/>
-          </p:cNvSpPr>
-          <p:nvPr>
-            <p:ph type="sldImg"/>
-          </p:nvPr>
-        </p:nvSpPr>
-        <p:spPr/>
-      </p:sp>
-      <p:sp>
-        <p:nvSpPr>
-          <p:cNvPr id="3" name="Notes Placeholder 2"/>
-          <p:cNvSpPr>
-            <a:spLocks noGrp="1"/>
-          </p:cNvSpPr>
-          <p:nvPr>
-            <p:ph type="body" idx="1"/>
-          </p:nvPr>
-        </p:nvSpPr>
-        <p:spPr/>
-        <p:txBody>
-          <a:bodyPr/>
-          <a:lstStyle/>
-          <a:p>
-            <a:r>
-              <a:rPr lang="de-DE" dirty="0"/>
-              <a:t>Pi01 – 11,90</a:t>
-            </a:r>
-          </a:p>
-          <a:p>
-            <a:endParaRPr lang="de-DE" dirty="0"/>
-          </a:p>
-          <a:p>
-            <a:r>
-              <a:rPr lang="de-DE" dirty="0"/>
-              <a:t>Pi02 – 32,50</a:t>
-            </a:r>
-          </a:p>
-          <a:p>
-            <a:r>
-              <a:rPr lang="de-DE" dirty="0"/>
-              <a:t>32 IO</a:t>
-            </a:r>
-          </a:p>
-          <a:p>
-            <a:pPr marL="0" marR="0" lvl="0" indent="0" algn="l" defTabSz="914400" rtl="0" eaLnBrk="1" fontAlgn="auto" latinLnBrk="0" hangingPunct="1">
-              <a:lnSpc>
-                <a:spcPct val="100000"/>
-              </a:lnSpc>
-              <a:spcBef>
-                <a:spcPts val="0"/>
-              </a:spcBef>
-              <a:spcAft>
-                <a:spcPts val="0"/>
-              </a:spcAft>
-              <a:buClrTx/>
-              <a:buSzTx/>
-              <a:buFontTx/>
-              <a:buNone/>
-              <a:tabLst/>
-              <a:defRPr/>
-            </a:pPr>
-            <a:r>
-              <a:rPr lang="de-DE" dirty="0"/>
-              <a:t>Bis 4 pro </a:t>
-            </a:r>
-            <a:r>
-              <a:rPr lang="de-DE" dirty="0" err="1"/>
-              <a:t>Raspi</a:t>
-            </a:r>
-            <a:endParaRPr lang="de-DE" dirty="0"/>
-          </a:p>
-          <a:p>
-            <a:endParaRPr lang="de-DE" dirty="0"/>
-          </a:p>
-          <a:p>
-            <a:r>
-              <a:rPr lang="de-DE" dirty="0"/>
-              <a:t>Pi03 – 23,75</a:t>
-            </a:r>
-          </a:p>
-          <a:p>
-            <a:r>
-              <a:rPr lang="de-DE" dirty="0"/>
-              <a:t>8x </a:t>
-            </a:r>
-            <a:r>
-              <a:rPr lang="de-DE" dirty="0" err="1"/>
-              <a:t>Servo</a:t>
-            </a:r>
-            <a:endParaRPr lang="de-DE" dirty="0"/>
-          </a:p>
-          <a:p>
-            <a:pPr marL="0" marR="0" lvl="0" indent="0" algn="l" defTabSz="914400" rtl="0" eaLnBrk="1" fontAlgn="auto" latinLnBrk="0" hangingPunct="1">
-              <a:lnSpc>
-                <a:spcPct val="100000"/>
-              </a:lnSpc>
-              <a:spcBef>
-                <a:spcPts val="0"/>
-              </a:spcBef>
-              <a:spcAft>
-                <a:spcPts val="0"/>
-              </a:spcAft>
-              <a:buClrTx/>
-              <a:buSzTx/>
-              <a:buFontTx/>
-              <a:buNone/>
-              <a:tabLst/>
-              <a:defRPr/>
-            </a:pPr>
-            <a:r>
-              <a:rPr lang="de-DE" dirty="0"/>
-              <a:t>Bis 4 pro </a:t>
-            </a:r>
-            <a:r>
-              <a:rPr lang="de-DE" dirty="0" err="1"/>
-              <a:t>Raspi</a:t>
-            </a:r>
-            <a:endParaRPr lang="de-DE" dirty="0"/>
-          </a:p>
-          <a:p>
-            <a:pPr marL="0" marR="0" lvl="0" indent="0" algn="l" defTabSz="914400" rtl="0" eaLnBrk="1" fontAlgn="auto" latinLnBrk="0" hangingPunct="1">
-              <a:lnSpc>
-                <a:spcPct val="100000"/>
-              </a:lnSpc>
-              <a:spcBef>
-                <a:spcPts val="0"/>
-              </a:spcBef>
-              <a:spcAft>
-                <a:spcPts val="0"/>
-              </a:spcAft>
-              <a:buClrTx/>
-              <a:buSzTx/>
-              <a:buFontTx/>
-              <a:buNone/>
-              <a:tabLst/>
-              <a:defRPr/>
-            </a:pPr>
-            <a:r>
-              <a:rPr lang="de-DE" dirty="0"/>
-              <a:t>(1) Mit oder ohne </a:t>
-            </a:r>
-            <a:r>
-              <a:rPr lang="de-DE" sz="1200" b="0" i="0" kern="1200" dirty="0">
-                <a:solidFill>
-                  <a:schemeClr val="tx1"/>
-                </a:solidFill>
-                <a:effectLst/>
-                <a:latin typeface="+mn-lt"/>
-                <a:ea typeface="+mn-ea"/>
-                <a:cs typeface="+mn-cs"/>
-              </a:rPr>
-              <a:t>PCA9685???</a:t>
-            </a:r>
-            <a:endParaRPr lang="de-DE" dirty="0"/>
-          </a:p>
-          <a:p>
-            <a:endParaRPr lang="de-DE" dirty="0"/>
-          </a:p>
-          <a:p>
-            <a:r>
-              <a:rPr lang="de-DE" dirty="0"/>
-              <a:t>Pi06 – 18,75</a:t>
-            </a:r>
-          </a:p>
-          <a:p>
-            <a:r>
-              <a:rPr lang="de-DE" dirty="0"/>
-              <a:t>Stromversorgung</a:t>
-            </a:r>
-          </a:p>
-          <a:p>
-            <a:r>
-              <a:rPr lang="de-DE" dirty="0"/>
-              <a:t>Auch für den </a:t>
-            </a:r>
-            <a:r>
-              <a:rPr lang="de-DE" dirty="0" err="1"/>
-              <a:t>Raspi</a:t>
-            </a:r>
-            <a:r>
-              <a:rPr lang="de-DE" dirty="0"/>
-              <a:t>, daher braucht er kein Netzteil</a:t>
-            </a:r>
-          </a:p>
-          <a:p>
-            <a:endParaRPr lang="de-DE" dirty="0"/>
-          </a:p>
-          <a:p>
-            <a:r>
-              <a:rPr lang="de-DE" dirty="0"/>
-              <a:t>GCA93 – 27,50</a:t>
-            </a:r>
-          </a:p>
-          <a:p>
-            <a:r>
-              <a:rPr lang="de-DE" dirty="0"/>
-              <a:t>8x Gleisbesetztmelder</a:t>
-            </a:r>
-          </a:p>
-          <a:p>
-            <a:endParaRPr lang="de-DE" dirty="0"/>
-          </a:p>
-          <a:p>
-            <a:r>
-              <a:rPr lang="de-DE" dirty="0"/>
-              <a:t>GCA173 – 19,00</a:t>
-            </a:r>
-          </a:p>
-          <a:p>
-            <a:r>
-              <a:rPr lang="de-DE" dirty="0"/>
-              <a:t>8x Gleisbesetztmelder Hallsensor</a:t>
-            </a:r>
-          </a:p>
-          <a:p>
-            <a:endParaRPr lang="de-DE" dirty="0"/>
-          </a:p>
-          <a:p>
-            <a:r>
-              <a:rPr lang="de-DE" dirty="0"/>
-              <a:t>Pi07 – 47,50</a:t>
-            </a:r>
-          </a:p>
-          <a:p>
-            <a:r>
-              <a:rPr lang="de-DE" dirty="0"/>
-              <a:t>Zu teuer – braucht man nicht</a:t>
-            </a:r>
-          </a:p>
-          <a:p>
-            <a:r>
-              <a:rPr lang="de-DE" dirty="0"/>
-              <a:t>8x Gleisbesetztmelder</a:t>
-            </a:r>
-          </a:p>
-          <a:p>
-            <a:r>
-              <a:rPr lang="de-DE" dirty="0"/>
-              <a:t>Bis 4 pro </a:t>
-            </a:r>
-            <a:r>
-              <a:rPr lang="de-DE" dirty="0" err="1"/>
-              <a:t>Raspi</a:t>
-            </a:r>
-            <a:endParaRPr lang="de-DE" dirty="0"/>
-          </a:p>
-        </p:txBody>
-      </p:sp>
-      <p:sp>
-        <p:nvSpPr>
-          <p:cNvPr id="4" name="Slide Number Placeholder 3"/>
-          <p:cNvSpPr>
-            <a:spLocks noGrp="1"/>
-          </p:cNvSpPr>
-          <p:nvPr>
-            <p:ph type="sldNum" sz="quarter" idx="5"/>
-          </p:nvPr>
-        </p:nvSpPr>
-        <p:spPr/>
-        <p:txBody>
-          <a:bodyPr/>
-          <a:lstStyle/>
-          <a:p>
-            <a:fld id="{070F5E1C-2C2E-49F0-8985-30232DCC0ECA}" type="slidenum">
-              <a:rPr lang="de-DE" smtClean="0"/>
-              <a:t>1</a:t>
-            </a:fld>
-            <a:endParaRPr lang="de-DE"/>
-          </a:p>
-        </p:txBody>
-      </p:sp>
-    </p:spTree>
-    <p:extLst>
-      <p:ext uri="{BB962C8B-B14F-4D97-AF65-F5344CB8AC3E}">
-        <p14:creationId xmlns:p14="http://schemas.microsoft.com/office/powerpoint/2010/main" val="414385616"/>
-      </p:ext>
-    </p:extLst>
-  </p:cSld>
-  <p:clrMapOvr>
-    <a:masterClrMapping/>
-  </p:clrMapOvr>
-</p:notes>
-</file>
-
 <file path=ppt/slideLayouts/slideLayout1.xml><?xml version="1.0" encoding="utf-8"?>
 <p:sldLayout xmlns:a="http://schemas.openxmlformats.org/drawingml/2006/main" xmlns:r="http://schemas.openxmlformats.org/officeDocument/2006/relationships" xmlns:p="http://schemas.openxmlformats.org/presentationml/2006/main" type="title" preserve="1">
   <p:cSld name="Title Slide">
@@ -959,13 +654,7 @@
       </p:grpSpPr>
       <p:sp>
         <p:nvSpPr>
-          <p:cNvPr id="2" name="Title 1">
-            <a:extLst>
-              <a:ext uri="{FF2B5EF4-FFF2-40B4-BE49-F238E27FC236}">
-                <a16:creationId xmlns:a16="http://schemas.microsoft.com/office/drawing/2014/main" id="{FA8B3F89-6025-472F-B5E7-114F2F973C74}"/>
-              </a:ext>
-            </a:extLst>
-          </p:cNvPr>
+          <p:cNvPr id="2" name="Title 1"/>
           <p:cNvSpPr>
             <a:spLocks noGrp="1"/>
           </p:cNvSpPr>
@@ -975,8 +664,8 @@
         </p:nvSpPr>
         <p:spPr>
           <a:xfrm>
-            <a:off x="1524000" y="1122363"/>
-            <a:ext cx="9144000" cy="2387600"/>
+            <a:off x="685800" y="1122363"/>
+            <a:ext cx="7772400" cy="2387600"/>
           </a:xfrm>
         </p:spPr>
         <p:txBody>
@@ -991,19 +680,13 @@
               <a:rPr lang="en-US"/>
               <a:t>Click to edit Master title style</a:t>
             </a:r>
-            <a:endParaRPr lang="de-DE"/>
-          </a:p>
-        </p:txBody>
-      </p:sp>
-      <p:sp>
-        <p:nvSpPr>
-          <p:cNvPr id="3" name="Subtitle 2">
-            <a:extLst>
-              <a:ext uri="{FF2B5EF4-FFF2-40B4-BE49-F238E27FC236}">
-                <a16:creationId xmlns:a16="http://schemas.microsoft.com/office/drawing/2014/main" id="{B716A559-6047-46A0-B188-BE1BF0B768A1}"/>
-              </a:ext>
-            </a:extLst>
-          </p:cNvPr>
+            <a:endParaRPr lang="en-US" dirty="0"/>
+          </a:p>
+        </p:txBody>
+      </p:sp>
+      <p:sp>
+        <p:nvSpPr>
+          <p:cNvPr id="3" name="Subtitle 2"/>
           <p:cNvSpPr>
             <a:spLocks noGrp="1"/>
           </p:cNvSpPr>
@@ -1013,8 +696,8 @@
         </p:nvSpPr>
         <p:spPr>
           <a:xfrm>
-            <a:off x="1524000" y="3602038"/>
-            <a:ext cx="9144000" cy="1655762"/>
+            <a:off x="1143000" y="3602038"/>
+            <a:ext cx="6858000" cy="1655762"/>
           </a:xfrm>
         </p:spPr>
         <p:txBody>
@@ -1062,19 +745,13 @@
               <a:rPr lang="en-US"/>
               <a:t>Click to edit Master subtitle style</a:t>
             </a:r>
-            <a:endParaRPr lang="de-DE"/>
-          </a:p>
-        </p:txBody>
-      </p:sp>
-      <p:sp>
-        <p:nvSpPr>
-          <p:cNvPr id="4" name="Date Placeholder 3">
-            <a:extLst>
-              <a:ext uri="{FF2B5EF4-FFF2-40B4-BE49-F238E27FC236}">
-                <a16:creationId xmlns:a16="http://schemas.microsoft.com/office/drawing/2014/main" id="{71B3857C-71F3-4653-9C65-3B073A363B81}"/>
-              </a:ext>
-            </a:extLst>
-          </p:cNvPr>
+            <a:endParaRPr lang="en-US" dirty="0"/>
+          </a:p>
+        </p:txBody>
+      </p:sp>
+      <p:sp>
+        <p:nvSpPr>
+          <p:cNvPr id="4" name="Date Placeholder 3"/>
           <p:cNvSpPr>
             <a:spLocks noGrp="1"/>
           </p:cNvSpPr>
@@ -1089,7 +766,7 @@
           <a:p>
             <a:fld id="{89028E9F-3905-4325-8FE4-24BE77D686F8}" type="datetimeFigureOut">
               <a:rPr lang="de-DE" smtClean="0"/>
-              <a:t>22.10.2019</a:t>
+              <a:t>27.10.2019</a:t>
             </a:fld>
             <a:endParaRPr lang="de-DE"/>
           </a:p>
@@ -1097,13 +774,7 @@
       </p:sp>
       <p:sp>
         <p:nvSpPr>
-          <p:cNvPr id="5" name="Footer Placeholder 4">
-            <a:extLst>
-              <a:ext uri="{FF2B5EF4-FFF2-40B4-BE49-F238E27FC236}">
-                <a16:creationId xmlns:a16="http://schemas.microsoft.com/office/drawing/2014/main" id="{54BB15EA-B198-4C36-B95C-29E585EE0443}"/>
-              </a:ext>
-            </a:extLst>
-          </p:cNvPr>
+          <p:cNvPr id="5" name="Footer Placeholder 4"/>
           <p:cNvSpPr>
             <a:spLocks noGrp="1"/>
           </p:cNvSpPr>
@@ -1122,13 +793,7 @@
       </p:sp>
       <p:sp>
         <p:nvSpPr>
-          <p:cNvPr id="6" name="Slide Number Placeholder 5">
-            <a:extLst>
-              <a:ext uri="{FF2B5EF4-FFF2-40B4-BE49-F238E27FC236}">
-                <a16:creationId xmlns:a16="http://schemas.microsoft.com/office/drawing/2014/main" id="{95EB616F-3388-4752-924C-F28B8CD07B4E}"/>
-              </a:ext>
-            </a:extLst>
-          </p:cNvPr>
+          <p:cNvPr id="6" name="Slide Number Placeholder 5"/>
           <p:cNvSpPr>
             <a:spLocks noGrp="1"/>
           </p:cNvSpPr>
@@ -1152,7 +817,7 @@
     </p:spTree>
     <p:extLst>
       <p:ext uri="{BB962C8B-B14F-4D97-AF65-F5344CB8AC3E}">
-        <p14:creationId xmlns:p14="http://schemas.microsoft.com/office/powerpoint/2010/main" val="3714420968"/>
+        <p14:creationId xmlns:p14="http://schemas.microsoft.com/office/powerpoint/2010/main" val="4043949257"/>
       </p:ext>
     </p:extLst>
   </p:cSld>
@@ -1181,13 +846,7 @@
       </p:grpSpPr>
       <p:sp>
         <p:nvSpPr>
-          <p:cNvPr id="2" name="Title 1">
-            <a:extLst>
-              <a:ext uri="{FF2B5EF4-FFF2-40B4-BE49-F238E27FC236}">
-                <a16:creationId xmlns:a16="http://schemas.microsoft.com/office/drawing/2014/main" id="{132E0699-63B5-4830-BB81-18E6481A2FC2}"/>
-              </a:ext>
-            </a:extLst>
-          </p:cNvPr>
+          <p:cNvPr id="2" name="Title 1"/>
           <p:cNvSpPr>
             <a:spLocks noGrp="1"/>
           </p:cNvSpPr>
@@ -1204,19 +863,13 @@
               <a:rPr lang="en-US"/>
               <a:t>Click to edit Master title style</a:t>
             </a:r>
-            <a:endParaRPr lang="de-DE"/>
-          </a:p>
-        </p:txBody>
-      </p:sp>
-      <p:sp>
-        <p:nvSpPr>
-          <p:cNvPr id="3" name="Vertical Text Placeholder 2">
-            <a:extLst>
-              <a:ext uri="{FF2B5EF4-FFF2-40B4-BE49-F238E27FC236}">
-                <a16:creationId xmlns:a16="http://schemas.microsoft.com/office/drawing/2014/main" id="{219E04E0-AB48-4C58-B808-F51A59ECF861}"/>
-              </a:ext>
-            </a:extLst>
-          </p:cNvPr>
+            <a:endParaRPr lang="en-US" dirty="0"/>
+          </a:p>
+        </p:txBody>
+      </p:sp>
+      <p:sp>
+        <p:nvSpPr>
+          <p:cNvPr id="3" name="Vertical Text Placeholder 2"/>
           <p:cNvSpPr>
             <a:spLocks noGrp="1"/>
           </p:cNvSpPr>
@@ -1232,7 +885,7 @@
             <a:pPr lvl="0"/>
             <a:r>
               <a:rPr lang="en-US"/>
-              <a:t>Edit Master text styles</a:t>
+              <a:t>Click to edit Master text styles</a:t>
             </a:r>
           </a:p>
           <a:p>
@@ -1262,19 +915,13 @@
               <a:rPr lang="en-US"/>
               <a:t>Fifth level</a:t>
             </a:r>
-            <a:endParaRPr lang="de-DE"/>
-          </a:p>
-        </p:txBody>
-      </p:sp>
-      <p:sp>
-        <p:nvSpPr>
-          <p:cNvPr id="4" name="Date Placeholder 3">
-            <a:extLst>
-              <a:ext uri="{FF2B5EF4-FFF2-40B4-BE49-F238E27FC236}">
-                <a16:creationId xmlns:a16="http://schemas.microsoft.com/office/drawing/2014/main" id="{4954D3EF-8728-461D-9DDE-E79763112AC2}"/>
-              </a:ext>
-            </a:extLst>
-          </p:cNvPr>
+            <a:endParaRPr lang="en-US" dirty="0"/>
+          </a:p>
+        </p:txBody>
+      </p:sp>
+      <p:sp>
+        <p:nvSpPr>
+          <p:cNvPr id="4" name="Date Placeholder 3"/>
           <p:cNvSpPr>
             <a:spLocks noGrp="1"/>
           </p:cNvSpPr>
@@ -1289,7 +936,7 @@
           <a:p>
             <a:fld id="{89028E9F-3905-4325-8FE4-24BE77D686F8}" type="datetimeFigureOut">
               <a:rPr lang="de-DE" smtClean="0"/>
-              <a:t>22.10.2019</a:t>
+              <a:t>27.10.2019</a:t>
             </a:fld>
             <a:endParaRPr lang="de-DE"/>
           </a:p>
@@ -1297,13 +944,7 @@
       </p:sp>
       <p:sp>
         <p:nvSpPr>
-          <p:cNvPr id="5" name="Footer Placeholder 4">
-            <a:extLst>
-              <a:ext uri="{FF2B5EF4-FFF2-40B4-BE49-F238E27FC236}">
-                <a16:creationId xmlns:a16="http://schemas.microsoft.com/office/drawing/2014/main" id="{62FD53A5-B8DC-412B-A453-7A00433F0C6B}"/>
-              </a:ext>
-            </a:extLst>
-          </p:cNvPr>
+          <p:cNvPr id="5" name="Footer Placeholder 4"/>
           <p:cNvSpPr>
             <a:spLocks noGrp="1"/>
           </p:cNvSpPr>
@@ -1322,13 +963,7 @@
       </p:sp>
       <p:sp>
         <p:nvSpPr>
-          <p:cNvPr id="6" name="Slide Number Placeholder 5">
-            <a:extLst>
-              <a:ext uri="{FF2B5EF4-FFF2-40B4-BE49-F238E27FC236}">
-                <a16:creationId xmlns:a16="http://schemas.microsoft.com/office/drawing/2014/main" id="{B3170E90-2601-455C-8169-B594202146B0}"/>
-              </a:ext>
-            </a:extLst>
-          </p:cNvPr>
+          <p:cNvPr id="6" name="Slide Number Placeholder 5"/>
           <p:cNvSpPr>
             <a:spLocks noGrp="1"/>
           </p:cNvSpPr>
@@ -1352,7 +987,7 @@
     </p:spTree>
     <p:extLst>
       <p:ext uri="{BB962C8B-B14F-4D97-AF65-F5344CB8AC3E}">
-        <p14:creationId xmlns:p14="http://schemas.microsoft.com/office/powerpoint/2010/main" val="2425791322"/>
+        <p14:creationId xmlns:p14="http://schemas.microsoft.com/office/powerpoint/2010/main" val="3416088326"/>
       </p:ext>
     </p:extLst>
   </p:cSld>
@@ -1381,13 +1016,7 @@
       </p:grpSpPr>
       <p:sp>
         <p:nvSpPr>
-          <p:cNvPr id="2" name="Vertical Title 1">
-            <a:extLst>
-              <a:ext uri="{FF2B5EF4-FFF2-40B4-BE49-F238E27FC236}">
-                <a16:creationId xmlns:a16="http://schemas.microsoft.com/office/drawing/2014/main" id="{F46984C0-A272-428C-BEAF-A25F4B84E943}"/>
-              </a:ext>
-            </a:extLst>
-          </p:cNvPr>
+          <p:cNvPr id="2" name="Vertical Title 1"/>
           <p:cNvSpPr>
             <a:spLocks noGrp="1"/>
           </p:cNvSpPr>
@@ -1397,8 +1026,8 @@
         </p:nvSpPr>
         <p:spPr>
           <a:xfrm>
-            <a:off x="8724900" y="365125"/>
-            <a:ext cx="2628900" cy="5811838"/>
+            <a:off x="6543675" y="365125"/>
+            <a:ext cx="1971675" cy="5811838"/>
           </a:xfrm>
         </p:spPr>
         <p:txBody>
@@ -1409,19 +1038,13 @@
               <a:rPr lang="en-US"/>
               <a:t>Click to edit Master title style</a:t>
             </a:r>
-            <a:endParaRPr lang="de-DE"/>
-          </a:p>
-        </p:txBody>
-      </p:sp>
-      <p:sp>
-        <p:nvSpPr>
-          <p:cNvPr id="3" name="Vertical Text Placeholder 2">
-            <a:extLst>
-              <a:ext uri="{FF2B5EF4-FFF2-40B4-BE49-F238E27FC236}">
-                <a16:creationId xmlns:a16="http://schemas.microsoft.com/office/drawing/2014/main" id="{DFD3A71B-CC61-4464-807B-9F656B347DAD}"/>
-              </a:ext>
-            </a:extLst>
-          </p:cNvPr>
+            <a:endParaRPr lang="en-US" dirty="0"/>
+          </a:p>
+        </p:txBody>
+      </p:sp>
+      <p:sp>
+        <p:nvSpPr>
+          <p:cNvPr id="3" name="Vertical Text Placeholder 2"/>
           <p:cNvSpPr>
             <a:spLocks noGrp="1"/>
           </p:cNvSpPr>
@@ -1431,8 +1054,8 @@
         </p:nvSpPr>
         <p:spPr>
           <a:xfrm>
-            <a:off x="838200" y="365125"/>
-            <a:ext cx="7734300" cy="5811838"/>
+            <a:off x="628650" y="365125"/>
+            <a:ext cx="5800725" cy="5811838"/>
           </a:xfrm>
         </p:spPr>
         <p:txBody>
@@ -1442,7 +1065,7 @@
             <a:pPr lvl="0"/>
             <a:r>
               <a:rPr lang="en-US"/>
-              <a:t>Edit Master text styles</a:t>
+              <a:t>Click to edit Master text styles</a:t>
             </a:r>
           </a:p>
           <a:p>
@@ -1472,19 +1095,13 @@
               <a:rPr lang="en-US"/>
               <a:t>Fifth level</a:t>
             </a:r>
-            <a:endParaRPr lang="de-DE"/>
-          </a:p>
-        </p:txBody>
-      </p:sp>
-      <p:sp>
-        <p:nvSpPr>
-          <p:cNvPr id="4" name="Date Placeholder 3">
-            <a:extLst>
-              <a:ext uri="{FF2B5EF4-FFF2-40B4-BE49-F238E27FC236}">
-                <a16:creationId xmlns:a16="http://schemas.microsoft.com/office/drawing/2014/main" id="{D2F16B86-8EDA-42E6-8E08-77ADEC513BAD}"/>
-              </a:ext>
-            </a:extLst>
-          </p:cNvPr>
+            <a:endParaRPr lang="en-US" dirty="0"/>
+          </a:p>
+        </p:txBody>
+      </p:sp>
+      <p:sp>
+        <p:nvSpPr>
+          <p:cNvPr id="4" name="Date Placeholder 3"/>
           <p:cNvSpPr>
             <a:spLocks noGrp="1"/>
           </p:cNvSpPr>
@@ -1499,7 +1116,7 @@
           <a:p>
             <a:fld id="{89028E9F-3905-4325-8FE4-24BE77D686F8}" type="datetimeFigureOut">
               <a:rPr lang="de-DE" smtClean="0"/>
-              <a:t>22.10.2019</a:t>
+              <a:t>27.10.2019</a:t>
             </a:fld>
             <a:endParaRPr lang="de-DE"/>
           </a:p>
@@ -1507,13 +1124,7 @@
       </p:sp>
       <p:sp>
         <p:nvSpPr>
-          <p:cNvPr id="5" name="Footer Placeholder 4">
-            <a:extLst>
-              <a:ext uri="{FF2B5EF4-FFF2-40B4-BE49-F238E27FC236}">
-                <a16:creationId xmlns:a16="http://schemas.microsoft.com/office/drawing/2014/main" id="{2422969B-A59A-4D80-B2DD-BE722B92B65A}"/>
-              </a:ext>
-            </a:extLst>
-          </p:cNvPr>
+          <p:cNvPr id="5" name="Footer Placeholder 4"/>
           <p:cNvSpPr>
             <a:spLocks noGrp="1"/>
           </p:cNvSpPr>
@@ -1532,13 +1143,7 @@
       </p:sp>
       <p:sp>
         <p:nvSpPr>
-          <p:cNvPr id="6" name="Slide Number Placeholder 5">
-            <a:extLst>
-              <a:ext uri="{FF2B5EF4-FFF2-40B4-BE49-F238E27FC236}">
-                <a16:creationId xmlns:a16="http://schemas.microsoft.com/office/drawing/2014/main" id="{46459F8E-638B-4BF5-A7E3-C02131510CF5}"/>
-              </a:ext>
-            </a:extLst>
-          </p:cNvPr>
+          <p:cNvPr id="6" name="Slide Number Placeholder 5"/>
           <p:cNvSpPr>
             <a:spLocks noGrp="1"/>
           </p:cNvSpPr>
@@ -1562,7 +1167,7 @@
     </p:spTree>
     <p:extLst>
       <p:ext uri="{BB962C8B-B14F-4D97-AF65-F5344CB8AC3E}">
-        <p14:creationId xmlns:p14="http://schemas.microsoft.com/office/powerpoint/2010/main" val="387816401"/>
+        <p14:creationId xmlns:p14="http://schemas.microsoft.com/office/powerpoint/2010/main" val="1677277471"/>
       </p:ext>
     </p:extLst>
   </p:cSld>
@@ -1591,13 +1196,7 @@
       </p:grpSpPr>
       <p:sp>
         <p:nvSpPr>
-          <p:cNvPr id="2" name="Title 1">
-            <a:extLst>
-              <a:ext uri="{FF2B5EF4-FFF2-40B4-BE49-F238E27FC236}">
-                <a16:creationId xmlns:a16="http://schemas.microsoft.com/office/drawing/2014/main" id="{AE5262D0-14AC-446F-BC95-3624BB8F7C91}"/>
-              </a:ext>
-            </a:extLst>
-          </p:cNvPr>
+          <p:cNvPr id="2" name="Title 1"/>
           <p:cNvSpPr>
             <a:spLocks noGrp="1"/>
           </p:cNvSpPr>
@@ -1614,19 +1213,13 @@
               <a:rPr lang="en-US"/>
               <a:t>Click to edit Master title style</a:t>
             </a:r>
-            <a:endParaRPr lang="de-DE"/>
-          </a:p>
-        </p:txBody>
-      </p:sp>
-      <p:sp>
-        <p:nvSpPr>
-          <p:cNvPr id="3" name="Content Placeholder 2">
-            <a:extLst>
-              <a:ext uri="{FF2B5EF4-FFF2-40B4-BE49-F238E27FC236}">
-                <a16:creationId xmlns:a16="http://schemas.microsoft.com/office/drawing/2014/main" id="{E8D4E65E-723D-48B2-9568-C6F6DFF1D1B3}"/>
-              </a:ext>
-            </a:extLst>
-          </p:cNvPr>
+            <a:endParaRPr lang="en-US" dirty="0"/>
+          </a:p>
+        </p:txBody>
+      </p:sp>
+      <p:sp>
+        <p:nvSpPr>
+          <p:cNvPr id="3" name="Content Placeholder 2"/>
           <p:cNvSpPr>
             <a:spLocks noGrp="1"/>
           </p:cNvSpPr>
@@ -1642,7 +1235,7 @@
             <a:pPr lvl="0"/>
             <a:r>
               <a:rPr lang="en-US"/>
-              <a:t>Edit Master text styles</a:t>
+              <a:t>Click to edit Master text styles</a:t>
             </a:r>
           </a:p>
           <a:p>
@@ -1672,19 +1265,13 @@
               <a:rPr lang="en-US"/>
               <a:t>Fifth level</a:t>
             </a:r>
-            <a:endParaRPr lang="de-DE"/>
-          </a:p>
-        </p:txBody>
-      </p:sp>
-      <p:sp>
-        <p:nvSpPr>
-          <p:cNvPr id="4" name="Date Placeholder 3">
-            <a:extLst>
-              <a:ext uri="{FF2B5EF4-FFF2-40B4-BE49-F238E27FC236}">
-                <a16:creationId xmlns:a16="http://schemas.microsoft.com/office/drawing/2014/main" id="{85CFE087-E0D7-41DB-B562-FA4128872730}"/>
-              </a:ext>
-            </a:extLst>
-          </p:cNvPr>
+            <a:endParaRPr lang="en-US" dirty="0"/>
+          </a:p>
+        </p:txBody>
+      </p:sp>
+      <p:sp>
+        <p:nvSpPr>
+          <p:cNvPr id="4" name="Date Placeholder 3"/>
           <p:cNvSpPr>
             <a:spLocks noGrp="1"/>
           </p:cNvSpPr>
@@ -1699,7 +1286,7 @@
           <a:p>
             <a:fld id="{89028E9F-3905-4325-8FE4-24BE77D686F8}" type="datetimeFigureOut">
               <a:rPr lang="de-DE" smtClean="0"/>
-              <a:t>22.10.2019</a:t>
+              <a:t>27.10.2019</a:t>
             </a:fld>
             <a:endParaRPr lang="de-DE"/>
           </a:p>
@@ -1707,13 +1294,7 @@
       </p:sp>
       <p:sp>
         <p:nvSpPr>
-          <p:cNvPr id="5" name="Footer Placeholder 4">
-            <a:extLst>
-              <a:ext uri="{FF2B5EF4-FFF2-40B4-BE49-F238E27FC236}">
-                <a16:creationId xmlns:a16="http://schemas.microsoft.com/office/drawing/2014/main" id="{611429EB-7771-48D1-85AA-18F8BEDB673C}"/>
-              </a:ext>
-            </a:extLst>
-          </p:cNvPr>
+          <p:cNvPr id="5" name="Footer Placeholder 4"/>
           <p:cNvSpPr>
             <a:spLocks noGrp="1"/>
           </p:cNvSpPr>
@@ -1732,13 +1313,7 @@
       </p:sp>
       <p:sp>
         <p:nvSpPr>
-          <p:cNvPr id="6" name="Slide Number Placeholder 5">
-            <a:extLst>
-              <a:ext uri="{FF2B5EF4-FFF2-40B4-BE49-F238E27FC236}">
-                <a16:creationId xmlns:a16="http://schemas.microsoft.com/office/drawing/2014/main" id="{1DD1CB06-DB55-4E34-B27C-E1AB0BAA7A50}"/>
-              </a:ext>
-            </a:extLst>
-          </p:cNvPr>
+          <p:cNvPr id="6" name="Slide Number Placeholder 5"/>
           <p:cNvSpPr>
             <a:spLocks noGrp="1"/>
           </p:cNvSpPr>
@@ -1762,7 +1337,7 @@
     </p:spTree>
     <p:extLst>
       <p:ext uri="{BB962C8B-B14F-4D97-AF65-F5344CB8AC3E}">
-        <p14:creationId xmlns:p14="http://schemas.microsoft.com/office/powerpoint/2010/main" val="2053426475"/>
+        <p14:creationId xmlns:p14="http://schemas.microsoft.com/office/powerpoint/2010/main" val="2908775852"/>
       </p:ext>
     </p:extLst>
   </p:cSld>
@@ -1791,13 +1366,7 @@
       </p:grpSpPr>
       <p:sp>
         <p:nvSpPr>
-          <p:cNvPr id="2" name="Title 1">
-            <a:extLst>
-              <a:ext uri="{FF2B5EF4-FFF2-40B4-BE49-F238E27FC236}">
-                <a16:creationId xmlns:a16="http://schemas.microsoft.com/office/drawing/2014/main" id="{E13738BB-BC7E-4AFB-A5DF-8C25C3B2A607}"/>
-              </a:ext>
-            </a:extLst>
-          </p:cNvPr>
+          <p:cNvPr id="2" name="Title 1"/>
           <p:cNvSpPr>
             <a:spLocks noGrp="1"/>
           </p:cNvSpPr>
@@ -1807,8 +1376,8 @@
         </p:nvSpPr>
         <p:spPr>
           <a:xfrm>
-            <a:off x="831850" y="1709738"/>
-            <a:ext cx="10515600" cy="2852737"/>
+            <a:off x="623888" y="1709739"/>
+            <a:ext cx="7886700" cy="2852737"/>
           </a:xfrm>
         </p:spPr>
         <p:txBody>
@@ -1823,19 +1392,13 @@
               <a:rPr lang="en-US"/>
               <a:t>Click to edit Master title style</a:t>
             </a:r>
-            <a:endParaRPr lang="de-DE"/>
-          </a:p>
-        </p:txBody>
-      </p:sp>
-      <p:sp>
-        <p:nvSpPr>
-          <p:cNvPr id="3" name="Text Placeholder 2">
-            <a:extLst>
-              <a:ext uri="{FF2B5EF4-FFF2-40B4-BE49-F238E27FC236}">
-                <a16:creationId xmlns:a16="http://schemas.microsoft.com/office/drawing/2014/main" id="{95BC9ABE-CB46-4578-926E-AC2C0CB49DFE}"/>
-              </a:ext>
-            </a:extLst>
-          </p:cNvPr>
+            <a:endParaRPr lang="en-US" dirty="0"/>
+          </a:p>
+        </p:txBody>
+      </p:sp>
+      <p:sp>
+        <p:nvSpPr>
+          <p:cNvPr id="3" name="Text Placeholder 2"/>
           <p:cNvSpPr>
             <a:spLocks noGrp="1"/>
           </p:cNvSpPr>
@@ -1845,8 +1408,8 @@
         </p:nvSpPr>
         <p:spPr>
           <a:xfrm>
-            <a:off x="831850" y="4589463"/>
-            <a:ext cx="10515600" cy="1500187"/>
+            <a:off x="623888" y="4589464"/>
+            <a:ext cx="7886700" cy="1500187"/>
           </a:xfrm>
         </p:spPr>
         <p:txBody>
@@ -1856,9 +1419,7 @@
               <a:buNone/>
               <a:defRPr sz="2400">
                 <a:solidFill>
-                  <a:schemeClr val="tx1">
-                    <a:tint val="75000"/>
-                  </a:schemeClr>
+                  <a:schemeClr val="tx1"/>
                 </a:solidFill>
               </a:defRPr>
             </a:lvl1pPr>
@@ -1947,20 +1508,14 @@
             <a:pPr lvl="0"/>
             <a:r>
               <a:rPr lang="en-US"/>
-              <a:t>Edit Master text styles</a:t>
-            </a:r>
-          </a:p>
-        </p:txBody>
-      </p:sp>
-      <p:sp>
-        <p:nvSpPr>
-          <p:cNvPr id="4" name="Date Placeholder 3">
-            <a:extLst>
-              <a:ext uri="{FF2B5EF4-FFF2-40B4-BE49-F238E27FC236}">
-                <a16:creationId xmlns:a16="http://schemas.microsoft.com/office/drawing/2014/main" id="{C6876C85-5DFD-4390-AC5F-F097C011154B}"/>
-              </a:ext>
-            </a:extLst>
-          </p:cNvPr>
+              <a:t>Click to edit Master text styles</a:t>
+            </a:r>
+          </a:p>
+        </p:txBody>
+      </p:sp>
+      <p:sp>
+        <p:nvSpPr>
+          <p:cNvPr id="4" name="Date Placeholder 3"/>
           <p:cNvSpPr>
             <a:spLocks noGrp="1"/>
           </p:cNvSpPr>
@@ -1975,7 +1530,7 @@
           <a:p>
             <a:fld id="{89028E9F-3905-4325-8FE4-24BE77D686F8}" type="datetimeFigureOut">
               <a:rPr lang="de-DE" smtClean="0"/>
-              <a:t>22.10.2019</a:t>
+              <a:t>27.10.2019</a:t>
             </a:fld>
             <a:endParaRPr lang="de-DE"/>
           </a:p>
@@ -1983,13 +1538,7 @@
       </p:sp>
       <p:sp>
         <p:nvSpPr>
-          <p:cNvPr id="5" name="Footer Placeholder 4">
-            <a:extLst>
-              <a:ext uri="{FF2B5EF4-FFF2-40B4-BE49-F238E27FC236}">
-                <a16:creationId xmlns:a16="http://schemas.microsoft.com/office/drawing/2014/main" id="{E7D48864-06E2-4752-9220-DC2E0FE4246F}"/>
-              </a:ext>
-            </a:extLst>
-          </p:cNvPr>
+          <p:cNvPr id="5" name="Footer Placeholder 4"/>
           <p:cNvSpPr>
             <a:spLocks noGrp="1"/>
           </p:cNvSpPr>
@@ -2008,13 +1557,7 @@
       </p:sp>
       <p:sp>
         <p:nvSpPr>
-          <p:cNvPr id="6" name="Slide Number Placeholder 5">
-            <a:extLst>
-              <a:ext uri="{FF2B5EF4-FFF2-40B4-BE49-F238E27FC236}">
-                <a16:creationId xmlns:a16="http://schemas.microsoft.com/office/drawing/2014/main" id="{9B12EB62-80BB-4A60-A9AD-F72CB2D4BDA8}"/>
-              </a:ext>
-            </a:extLst>
-          </p:cNvPr>
+          <p:cNvPr id="6" name="Slide Number Placeholder 5"/>
           <p:cNvSpPr>
             <a:spLocks noGrp="1"/>
           </p:cNvSpPr>
@@ -2038,7 +1581,7 @@
     </p:spTree>
     <p:extLst>
       <p:ext uri="{BB962C8B-B14F-4D97-AF65-F5344CB8AC3E}">
-        <p14:creationId xmlns:p14="http://schemas.microsoft.com/office/powerpoint/2010/main" val="77681993"/>
+        <p14:creationId xmlns:p14="http://schemas.microsoft.com/office/powerpoint/2010/main" val="1718211941"/>
       </p:ext>
     </p:extLst>
   </p:cSld>
@@ -2067,13 +1610,7 @@
       </p:grpSpPr>
       <p:sp>
         <p:nvSpPr>
-          <p:cNvPr id="2" name="Title 1">
-            <a:extLst>
-              <a:ext uri="{FF2B5EF4-FFF2-40B4-BE49-F238E27FC236}">
-                <a16:creationId xmlns:a16="http://schemas.microsoft.com/office/drawing/2014/main" id="{10D1C739-D531-4F08-ADFD-BCEA2AD6CBBB}"/>
-              </a:ext>
-            </a:extLst>
-          </p:cNvPr>
+          <p:cNvPr id="2" name="Title 1"/>
           <p:cNvSpPr>
             <a:spLocks noGrp="1"/>
           </p:cNvSpPr>
@@ -2090,19 +1627,13 @@
               <a:rPr lang="en-US"/>
               <a:t>Click to edit Master title style</a:t>
             </a:r>
-            <a:endParaRPr lang="de-DE"/>
-          </a:p>
-        </p:txBody>
-      </p:sp>
-      <p:sp>
-        <p:nvSpPr>
-          <p:cNvPr id="3" name="Content Placeholder 2">
-            <a:extLst>
-              <a:ext uri="{FF2B5EF4-FFF2-40B4-BE49-F238E27FC236}">
-                <a16:creationId xmlns:a16="http://schemas.microsoft.com/office/drawing/2014/main" id="{D58D6B5B-E92A-416E-A56C-FC3513E42803}"/>
-              </a:ext>
-            </a:extLst>
-          </p:cNvPr>
+            <a:endParaRPr lang="en-US" dirty="0"/>
+          </a:p>
+        </p:txBody>
+      </p:sp>
+      <p:sp>
+        <p:nvSpPr>
+          <p:cNvPr id="3" name="Content Placeholder 2"/>
           <p:cNvSpPr>
             <a:spLocks noGrp="1"/>
           </p:cNvSpPr>
@@ -2112,8 +1643,8 @@
         </p:nvSpPr>
         <p:spPr>
           <a:xfrm>
-            <a:off x="838200" y="1825625"/>
-            <a:ext cx="5181600" cy="4351338"/>
+            <a:off x="628650" y="1825625"/>
+            <a:ext cx="3886200" cy="4351338"/>
           </a:xfrm>
         </p:spPr>
         <p:txBody>
@@ -2123,7 +1654,7 @@
             <a:pPr lvl="0"/>
             <a:r>
               <a:rPr lang="en-US"/>
-              <a:t>Edit Master text styles</a:t>
+              <a:t>Click to edit Master text styles</a:t>
             </a:r>
           </a:p>
           <a:p>
@@ -2153,19 +1684,13 @@
               <a:rPr lang="en-US"/>
               <a:t>Fifth level</a:t>
             </a:r>
-            <a:endParaRPr lang="de-DE"/>
-          </a:p>
-        </p:txBody>
-      </p:sp>
-      <p:sp>
-        <p:nvSpPr>
-          <p:cNvPr id="4" name="Content Placeholder 3">
-            <a:extLst>
-              <a:ext uri="{FF2B5EF4-FFF2-40B4-BE49-F238E27FC236}">
-                <a16:creationId xmlns:a16="http://schemas.microsoft.com/office/drawing/2014/main" id="{EBC6BBB8-590A-4864-BB50-79722DC037FD}"/>
-              </a:ext>
-            </a:extLst>
-          </p:cNvPr>
+            <a:endParaRPr lang="en-US" dirty="0"/>
+          </a:p>
+        </p:txBody>
+      </p:sp>
+      <p:sp>
+        <p:nvSpPr>
+          <p:cNvPr id="4" name="Content Placeholder 3"/>
           <p:cNvSpPr>
             <a:spLocks noGrp="1"/>
           </p:cNvSpPr>
@@ -2175,8 +1700,8 @@
         </p:nvSpPr>
         <p:spPr>
           <a:xfrm>
-            <a:off x="6172200" y="1825625"/>
-            <a:ext cx="5181600" cy="4351338"/>
+            <a:off x="4629150" y="1825625"/>
+            <a:ext cx="3886200" cy="4351338"/>
           </a:xfrm>
         </p:spPr>
         <p:txBody>
@@ -2186,7 +1711,7 @@
             <a:pPr lvl="0"/>
             <a:r>
               <a:rPr lang="en-US"/>
-              <a:t>Edit Master text styles</a:t>
+              <a:t>Click to edit Master text styles</a:t>
             </a:r>
           </a:p>
           <a:p>
@@ -2216,19 +1741,13 @@
               <a:rPr lang="en-US"/>
               <a:t>Fifth level</a:t>
             </a:r>
-            <a:endParaRPr lang="de-DE"/>
-          </a:p>
-        </p:txBody>
-      </p:sp>
-      <p:sp>
-        <p:nvSpPr>
-          <p:cNvPr id="5" name="Date Placeholder 4">
-            <a:extLst>
-              <a:ext uri="{FF2B5EF4-FFF2-40B4-BE49-F238E27FC236}">
-                <a16:creationId xmlns:a16="http://schemas.microsoft.com/office/drawing/2014/main" id="{9EB5429C-9006-41F8-B31B-7B94B02D01F2}"/>
-              </a:ext>
-            </a:extLst>
-          </p:cNvPr>
+            <a:endParaRPr lang="en-US" dirty="0"/>
+          </a:p>
+        </p:txBody>
+      </p:sp>
+      <p:sp>
+        <p:nvSpPr>
+          <p:cNvPr id="5" name="Date Placeholder 4"/>
           <p:cNvSpPr>
             <a:spLocks noGrp="1"/>
           </p:cNvSpPr>
@@ -2243,7 +1762,7 @@
           <a:p>
             <a:fld id="{89028E9F-3905-4325-8FE4-24BE77D686F8}" type="datetimeFigureOut">
               <a:rPr lang="de-DE" smtClean="0"/>
-              <a:t>22.10.2019</a:t>
+              <a:t>27.10.2019</a:t>
             </a:fld>
             <a:endParaRPr lang="de-DE"/>
           </a:p>
@@ -2251,13 +1770,7 @@
       </p:sp>
       <p:sp>
         <p:nvSpPr>
-          <p:cNvPr id="6" name="Footer Placeholder 5">
-            <a:extLst>
-              <a:ext uri="{FF2B5EF4-FFF2-40B4-BE49-F238E27FC236}">
-                <a16:creationId xmlns:a16="http://schemas.microsoft.com/office/drawing/2014/main" id="{74AA0E29-C12B-4BF4-AF6B-47F4B10991B6}"/>
-              </a:ext>
-            </a:extLst>
-          </p:cNvPr>
+          <p:cNvPr id="6" name="Footer Placeholder 5"/>
           <p:cNvSpPr>
             <a:spLocks noGrp="1"/>
           </p:cNvSpPr>
@@ -2276,13 +1789,7 @@
       </p:sp>
       <p:sp>
         <p:nvSpPr>
-          <p:cNvPr id="7" name="Slide Number Placeholder 6">
-            <a:extLst>
-              <a:ext uri="{FF2B5EF4-FFF2-40B4-BE49-F238E27FC236}">
-                <a16:creationId xmlns:a16="http://schemas.microsoft.com/office/drawing/2014/main" id="{F3E2DAC1-C175-46CF-BE32-A87329CCA046}"/>
-              </a:ext>
-            </a:extLst>
-          </p:cNvPr>
+          <p:cNvPr id="7" name="Slide Number Placeholder 6"/>
           <p:cNvSpPr>
             <a:spLocks noGrp="1"/>
           </p:cNvSpPr>
@@ -2306,7 +1813,7 @@
     </p:spTree>
     <p:extLst>
       <p:ext uri="{BB962C8B-B14F-4D97-AF65-F5344CB8AC3E}">
-        <p14:creationId xmlns:p14="http://schemas.microsoft.com/office/powerpoint/2010/main" val="519400721"/>
+        <p14:creationId xmlns:p14="http://schemas.microsoft.com/office/powerpoint/2010/main" val="582739239"/>
       </p:ext>
     </p:extLst>
   </p:cSld>
@@ -2335,13 +1842,7 @@
       </p:grpSpPr>
       <p:sp>
         <p:nvSpPr>
-          <p:cNvPr id="2" name="Title 1">
-            <a:extLst>
-              <a:ext uri="{FF2B5EF4-FFF2-40B4-BE49-F238E27FC236}">
-                <a16:creationId xmlns:a16="http://schemas.microsoft.com/office/drawing/2014/main" id="{2F4D1DEB-83CA-4906-975E-555DB529A074}"/>
-              </a:ext>
-            </a:extLst>
-          </p:cNvPr>
+          <p:cNvPr id="2" name="Title 1"/>
           <p:cNvSpPr>
             <a:spLocks noGrp="1"/>
           </p:cNvSpPr>
@@ -2351,8 +1852,8 @@
         </p:nvSpPr>
         <p:spPr>
           <a:xfrm>
-            <a:off x="839788" y="365125"/>
-            <a:ext cx="10515600" cy="1325563"/>
+            <a:off x="629841" y="365126"/>
+            <a:ext cx="7886700" cy="1325563"/>
           </a:xfrm>
         </p:spPr>
         <p:txBody>
@@ -2363,19 +1864,13 @@
               <a:rPr lang="en-US"/>
               <a:t>Click to edit Master title style</a:t>
             </a:r>
-            <a:endParaRPr lang="de-DE"/>
-          </a:p>
-        </p:txBody>
-      </p:sp>
-      <p:sp>
-        <p:nvSpPr>
-          <p:cNvPr id="3" name="Text Placeholder 2">
-            <a:extLst>
-              <a:ext uri="{FF2B5EF4-FFF2-40B4-BE49-F238E27FC236}">
-                <a16:creationId xmlns:a16="http://schemas.microsoft.com/office/drawing/2014/main" id="{8E2EF278-4EA3-492D-837E-9FADD037CE09}"/>
-              </a:ext>
-            </a:extLst>
-          </p:cNvPr>
+            <a:endParaRPr lang="en-US" dirty="0"/>
+          </a:p>
+        </p:txBody>
+      </p:sp>
+      <p:sp>
+        <p:nvSpPr>
+          <p:cNvPr id="3" name="Text Placeholder 2"/>
           <p:cNvSpPr>
             <a:spLocks noGrp="1"/>
           </p:cNvSpPr>
@@ -2385,8 +1880,8 @@
         </p:nvSpPr>
         <p:spPr>
           <a:xfrm>
-            <a:off x="839788" y="1681163"/>
-            <a:ext cx="5157787" cy="823912"/>
+            <a:off x="629842" y="1681163"/>
+            <a:ext cx="3868340" cy="823912"/>
           </a:xfrm>
         </p:spPr>
         <p:txBody>
@@ -2433,20 +1928,14 @@
             <a:pPr lvl="0"/>
             <a:r>
               <a:rPr lang="en-US"/>
-              <a:t>Edit Master text styles</a:t>
-            </a:r>
-          </a:p>
-        </p:txBody>
-      </p:sp>
-      <p:sp>
-        <p:nvSpPr>
-          <p:cNvPr id="4" name="Content Placeholder 3">
-            <a:extLst>
-              <a:ext uri="{FF2B5EF4-FFF2-40B4-BE49-F238E27FC236}">
-                <a16:creationId xmlns:a16="http://schemas.microsoft.com/office/drawing/2014/main" id="{E9BF102F-3AFE-4DDB-A860-5838932C092A}"/>
-              </a:ext>
-            </a:extLst>
-          </p:cNvPr>
+              <a:t>Click to edit Master text styles</a:t>
+            </a:r>
+          </a:p>
+        </p:txBody>
+      </p:sp>
+      <p:sp>
+        <p:nvSpPr>
+          <p:cNvPr id="4" name="Content Placeholder 3"/>
           <p:cNvSpPr>
             <a:spLocks noGrp="1"/>
           </p:cNvSpPr>
@@ -2456,8 +1945,8 @@
         </p:nvSpPr>
         <p:spPr>
           <a:xfrm>
-            <a:off x="839788" y="2505075"/>
-            <a:ext cx="5157787" cy="3684588"/>
+            <a:off x="629842" y="2505075"/>
+            <a:ext cx="3868340" cy="3684588"/>
           </a:xfrm>
         </p:spPr>
         <p:txBody>
@@ -2467,7 +1956,7 @@
             <a:pPr lvl="0"/>
             <a:r>
               <a:rPr lang="en-US"/>
-              <a:t>Edit Master text styles</a:t>
+              <a:t>Click to edit Master text styles</a:t>
             </a:r>
           </a:p>
           <a:p>
@@ -2497,19 +1986,13 @@
               <a:rPr lang="en-US"/>
               <a:t>Fifth level</a:t>
             </a:r>
-            <a:endParaRPr lang="de-DE"/>
-          </a:p>
-        </p:txBody>
-      </p:sp>
-      <p:sp>
-        <p:nvSpPr>
-          <p:cNvPr id="5" name="Text Placeholder 4">
-            <a:extLst>
-              <a:ext uri="{FF2B5EF4-FFF2-40B4-BE49-F238E27FC236}">
-                <a16:creationId xmlns:a16="http://schemas.microsoft.com/office/drawing/2014/main" id="{569D2606-5B57-4EB1-95F5-278C23152773}"/>
-              </a:ext>
-            </a:extLst>
-          </p:cNvPr>
+            <a:endParaRPr lang="en-US" dirty="0"/>
+          </a:p>
+        </p:txBody>
+      </p:sp>
+      <p:sp>
+        <p:nvSpPr>
+          <p:cNvPr id="5" name="Text Placeholder 4"/>
           <p:cNvSpPr>
             <a:spLocks noGrp="1"/>
           </p:cNvSpPr>
@@ -2519,8 +2002,8 @@
         </p:nvSpPr>
         <p:spPr>
           <a:xfrm>
-            <a:off x="6172200" y="1681163"/>
-            <a:ext cx="5183188" cy="823912"/>
+            <a:off x="4629150" y="1681163"/>
+            <a:ext cx="3887391" cy="823912"/>
           </a:xfrm>
         </p:spPr>
         <p:txBody>
@@ -2567,20 +2050,14 @@
             <a:pPr lvl="0"/>
             <a:r>
               <a:rPr lang="en-US"/>
-              <a:t>Edit Master text styles</a:t>
-            </a:r>
-          </a:p>
-        </p:txBody>
-      </p:sp>
-      <p:sp>
-        <p:nvSpPr>
-          <p:cNvPr id="6" name="Content Placeholder 5">
-            <a:extLst>
-              <a:ext uri="{FF2B5EF4-FFF2-40B4-BE49-F238E27FC236}">
-                <a16:creationId xmlns:a16="http://schemas.microsoft.com/office/drawing/2014/main" id="{7B9E5648-0C82-4698-B326-D43E599D753F}"/>
-              </a:ext>
-            </a:extLst>
-          </p:cNvPr>
+              <a:t>Click to edit Master text styles</a:t>
+            </a:r>
+          </a:p>
+        </p:txBody>
+      </p:sp>
+      <p:sp>
+        <p:nvSpPr>
+          <p:cNvPr id="6" name="Content Placeholder 5"/>
           <p:cNvSpPr>
             <a:spLocks noGrp="1"/>
           </p:cNvSpPr>
@@ -2590,8 +2067,8 @@
         </p:nvSpPr>
         <p:spPr>
           <a:xfrm>
-            <a:off x="6172200" y="2505075"/>
-            <a:ext cx="5183188" cy="3684588"/>
+            <a:off x="4629150" y="2505075"/>
+            <a:ext cx="3887391" cy="3684588"/>
           </a:xfrm>
         </p:spPr>
         <p:txBody>
@@ -2601,7 +2078,7 @@
             <a:pPr lvl="0"/>
             <a:r>
               <a:rPr lang="en-US"/>
-              <a:t>Edit Master text styles</a:t>
+              <a:t>Click to edit Master text styles</a:t>
             </a:r>
           </a:p>
           <a:p>
@@ -2631,19 +2108,13 @@
               <a:rPr lang="en-US"/>
               <a:t>Fifth level</a:t>
             </a:r>
-            <a:endParaRPr lang="de-DE"/>
-          </a:p>
-        </p:txBody>
-      </p:sp>
-      <p:sp>
-        <p:nvSpPr>
-          <p:cNvPr id="7" name="Date Placeholder 6">
-            <a:extLst>
-              <a:ext uri="{FF2B5EF4-FFF2-40B4-BE49-F238E27FC236}">
-                <a16:creationId xmlns:a16="http://schemas.microsoft.com/office/drawing/2014/main" id="{F233EB32-7D93-43C4-B7F2-DC7B1AF696AB}"/>
-              </a:ext>
-            </a:extLst>
-          </p:cNvPr>
+            <a:endParaRPr lang="en-US" dirty="0"/>
+          </a:p>
+        </p:txBody>
+      </p:sp>
+      <p:sp>
+        <p:nvSpPr>
+          <p:cNvPr id="7" name="Date Placeholder 6"/>
           <p:cNvSpPr>
             <a:spLocks noGrp="1"/>
           </p:cNvSpPr>
@@ -2658,7 +2129,7 @@
           <a:p>
             <a:fld id="{89028E9F-3905-4325-8FE4-24BE77D686F8}" type="datetimeFigureOut">
               <a:rPr lang="de-DE" smtClean="0"/>
-              <a:t>22.10.2019</a:t>
+              <a:t>27.10.2019</a:t>
             </a:fld>
             <a:endParaRPr lang="de-DE"/>
           </a:p>
@@ -2666,13 +2137,7 @@
       </p:sp>
       <p:sp>
         <p:nvSpPr>
-          <p:cNvPr id="8" name="Footer Placeholder 7">
-            <a:extLst>
-              <a:ext uri="{FF2B5EF4-FFF2-40B4-BE49-F238E27FC236}">
-                <a16:creationId xmlns:a16="http://schemas.microsoft.com/office/drawing/2014/main" id="{969CCC6B-DA19-4600-BC39-498D7D34065D}"/>
-              </a:ext>
-            </a:extLst>
-          </p:cNvPr>
+          <p:cNvPr id="8" name="Footer Placeholder 7"/>
           <p:cNvSpPr>
             <a:spLocks noGrp="1"/>
           </p:cNvSpPr>
@@ -2691,13 +2156,7 @@
       </p:sp>
       <p:sp>
         <p:nvSpPr>
-          <p:cNvPr id="9" name="Slide Number Placeholder 8">
-            <a:extLst>
-              <a:ext uri="{FF2B5EF4-FFF2-40B4-BE49-F238E27FC236}">
-                <a16:creationId xmlns:a16="http://schemas.microsoft.com/office/drawing/2014/main" id="{99EC3B0E-3572-4ED7-A02B-B3974436EE4E}"/>
-              </a:ext>
-            </a:extLst>
-          </p:cNvPr>
+          <p:cNvPr id="9" name="Slide Number Placeholder 8"/>
           <p:cNvSpPr>
             <a:spLocks noGrp="1"/>
           </p:cNvSpPr>
@@ -2721,7 +2180,7 @@
     </p:spTree>
     <p:extLst>
       <p:ext uri="{BB962C8B-B14F-4D97-AF65-F5344CB8AC3E}">
-        <p14:creationId xmlns:p14="http://schemas.microsoft.com/office/powerpoint/2010/main" val="2768613736"/>
+        <p14:creationId xmlns:p14="http://schemas.microsoft.com/office/powerpoint/2010/main" val="1380854777"/>
       </p:ext>
     </p:extLst>
   </p:cSld>
@@ -2750,13 +2209,7 @@
       </p:grpSpPr>
       <p:sp>
         <p:nvSpPr>
-          <p:cNvPr id="2" name="Title 1">
-            <a:extLst>
-              <a:ext uri="{FF2B5EF4-FFF2-40B4-BE49-F238E27FC236}">
-                <a16:creationId xmlns:a16="http://schemas.microsoft.com/office/drawing/2014/main" id="{402E2EF5-B6C5-47EC-BFC4-CB9775264FC2}"/>
-              </a:ext>
-            </a:extLst>
-          </p:cNvPr>
+          <p:cNvPr id="2" name="Title 1"/>
           <p:cNvSpPr>
             <a:spLocks noGrp="1"/>
           </p:cNvSpPr>
@@ -2773,19 +2226,13 @@
               <a:rPr lang="en-US"/>
               <a:t>Click to edit Master title style</a:t>
             </a:r>
-            <a:endParaRPr lang="de-DE"/>
-          </a:p>
-        </p:txBody>
-      </p:sp>
-      <p:sp>
-        <p:nvSpPr>
-          <p:cNvPr id="3" name="Date Placeholder 2">
-            <a:extLst>
-              <a:ext uri="{FF2B5EF4-FFF2-40B4-BE49-F238E27FC236}">
-                <a16:creationId xmlns:a16="http://schemas.microsoft.com/office/drawing/2014/main" id="{682E9A23-CE4E-44DA-8513-A8E3DB4DBB78}"/>
-              </a:ext>
-            </a:extLst>
-          </p:cNvPr>
+            <a:endParaRPr lang="en-US" dirty="0"/>
+          </a:p>
+        </p:txBody>
+      </p:sp>
+      <p:sp>
+        <p:nvSpPr>
+          <p:cNvPr id="3" name="Date Placeholder 2"/>
           <p:cNvSpPr>
             <a:spLocks noGrp="1"/>
           </p:cNvSpPr>
@@ -2800,7 +2247,7 @@
           <a:p>
             <a:fld id="{89028E9F-3905-4325-8FE4-24BE77D686F8}" type="datetimeFigureOut">
               <a:rPr lang="de-DE" smtClean="0"/>
-              <a:t>22.10.2019</a:t>
+              <a:t>27.10.2019</a:t>
             </a:fld>
             <a:endParaRPr lang="de-DE"/>
           </a:p>
@@ -2808,13 +2255,7 @@
       </p:sp>
       <p:sp>
         <p:nvSpPr>
-          <p:cNvPr id="4" name="Footer Placeholder 3">
-            <a:extLst>
-              <a:ext uri="{FF2B5EF4-FFF2-40B4-BE49-F238E27FC236}">
-                <a16:creationId xmlns:a16="http://schemas.microsoft.com/office/drawing/2014/main" id="{9DBB0054-A2C5-4DE3-A103-33D8D0F7CCA6}"/>
-              </a:ext>
-            </a:extLst>
-          </p:cNvPr>
+          <p:cNvPr id="4" name="Footer Placeholder 3"/>
           <p:cNvSpPr>
             <a:spLocks noGrp="1"/>
           </p:cNvSpPr>
@@ -2833,13 +2274,7 @@
       </p:sp>
       <p:sp>
         <p:nvSpPr>
-          <p:cNvPr id="5" name="Slide Number Placeholder 4">
-            <a:extLst>
-              <a:ext uri="{FF2B5EF4-FFF2-40B4-BE49-F238E27FC236}">
-                <a16:creationId xmlns:a16="http://schemas.microsoft.com/office/drawing/2014/main" id="{67620C2C-CB6C-4E6A-A3B8-5443A99A3F5E}"/>
-              </a:ext>
-            </a:extLst>
-          </p:cNvPr>
+          <p:cNvPr id="5" name="Slide Number Placeholder 4"/>
           <p:cNvSpPr>
             <a:spLocks noGrp="1"/>
           </p:cNvSpPr>
@@ -2863,7 +2298,7 @@
     </p:spTree>
     <p:extLst>
       <p:ext uri="{BB962C8B-B14F-4D97-AF65-F5344CB8AC3E}">
-        <p14:creationId xmlns:p14="http://schemas.microsoft.com/office/powerpoint/2010/main" val="208177485"/>
+        <p14:creationId xmlns:p14="http://schemas.microsoft.com/office/powerpoint/2010/main" val="1911513395"/>
       </p:ext>
     </p:extLst>
   </p:cSld>
@@ -2892,13 +2327,7 @@
       </p:grpSpPr>
       <p:sp>
         <p:nvSpPr>
-          <p:cNvPr id="2" name="Date Placeholder 1">
-            <a:extLst>
-              <a:ext uri="{FF2B5EF4-FFF2-40B4-BE49-F238E27FC236}">
-                <a16:creationId xmlns:a16="http://schemas.microsoft.com/office/drawing/2014/main" id="{E8079A9C-5990-48D8-A734-E61C93AA917B}"/>
-              </a:ext>
-            </a:extLst>
-          </p:cNvPr>
+          <p:cNvPr id="2" name="Date Placeholder 1"/>
           <p:cNvSpPr>
             <a:spLocks noGrp="1"/>
           </p:cNvSpPr>
@@ -2913,7 +2342,7 @@
           <a:p>
             <a:fld id="{89028E9F-3905-4325-8FE4-24BE77D686F8}" type="datetimeFigureOut">
               <a:rPr lang="de-DE" smtClean="0"/>
-              <a:t>22.10.2019</a:t>
+              <a:t>27.10.2019</a:t>
             </a:fld>
             <a:endParaRPr lang="de-DE"/>
           </a:p>
@@ -2921,13 +2350,7 @@
       </p:sp>
       <p:sp>
         <p:nvSpPr>
-          <p:cNvPr id="3" name="Footer Placeholder 2">
-            <a:extLst>
-              <a:ext uri="{FF2B5EF4-FFF2-40B4-BE49-F238E27FC236}">
-                <a16:creationId xmlns:a16="http://schemas.microsoft.com/office/drawing/2014/main" id="{730810CD-BF3D-4E81-82F0-436A1B9B46E7}"/>
-              </a:ext>
-            </a:extLst>
-          </p:cNvPr>
+          <p:cNvPr id="3" name="Footer Placeholder 2"/>
           <p:cNvSpPr>
             <a:spLocks noGrp="1"/>
           </p:cNvSpPr>
@@ -2946,13 +2369,7 @@
       </p:sp>
       <p:sp>
         <p:nvSpPr>
-          <p:cNvPr id="4" name="Slide Number Placeholder 3">
-            <a:extLst>
-              <a:ext uri="{FF2B5EF4-FFF2-40B4-BE49-F238E27FC236}">
-                <a16:creationId xmlns:a16="http://schemas.microsoft.com/office/drawing/2014/main" id="{1A3DAE8B-979A-4058-8C92-04561362970D}"/>
-              </a:ext>
-            </a:extLst>
-          </p:cNvPr>
+          <p:cNvPr id="4" name="Slide Number Placeholder 3"/>
           <p:cNvSpPr>
             <a:spLocks noGrp="1"/>
           </p:cNvSpPr>
@@ -2976,7 +2393,7 @@
     </p:spTree>
     <p:extLst>
       <p:ext uri="{BB962C8B-B14F-4D97-AF65-F5344CB8AC3E}">
-        <p14:creationId xmlns:p14="http://schemas.microsoft.com/office/powerpoint/2010/main" val="2596864875"/>
+        <p14:creationId xmlns:p14="http://schemas.microsoft.com/office/powerpoint/2010/main" val="1767720371"/>
       </p:ext>
     </p:extLst>
   </p:cSld>
@@ -3005,13 +2422,7 @@
       </p:grpSpPr>
       <p:sp>
         <p:nvSpPr>
-          <p:cNvPr id="2" name="Title 1">
-            <a:extLst>
-              <a:ext uri="{FF2B5EF4-FFF2-40B4-BE49-F238E27FC236}">
-                <a16:creationId xmlns:a16="http://schemas.microsoft.com/office/drawing/2014/main" id="{034C38A1-E334-47F7-B60A-FA434BF7CC02}"/>
-              </a:ext>
-            </a:extLst>
-          </p:cNvPr>
+          <p:cNvPr id="2" name="Title 1"/>
           <p:cNvSpPr>
             <a:spLocks noGrp="1"/>
           </p:cNvSpPr>
@@ -3021,8 +2432,8 @@
         </p:nvSpPr>
         <p:spPr>
           <a:xfrm>
-            <a:off x="839788" y="457200"/>
-            <a:ext cx="3932237" cy="1600200"/>
+            <a:off x="629841" y="457200"/>
+            <a:ext cx="2949178" cy="1600200"/>
           </a:xfrm>
         </p:spPr>
         <p:txBody>
@@ -3037,19 +2448,13 @@
               <a:rPr lang="en-US"/>
               <a:t>Click to edit Master title style</a:t>
             </a:r>
-            <a:endParaRPr lang="de-DE"/>
-          </a:p>
-        </p:txBody>
-      </p:sp>
-      <p:sp>
-        <p:nvSpPr>
-          <p:cNvPr id="3" name="Content Placeholder 2">
-            <a:extLst>
-              <a:ext uri="{FF2B5EF4-FFF2-40B4-BE49-F238E27FC236}">
-                <a16:creationId xmlns:a16="http://schemas.microsoft.com/office/drawing/2014/main" id="{015C8D6E-D82E-4019-BE40-EEADF2DB27A3}"/>
-              </a:ext>
-            </a:extLst>
-          </p:cNvPr>
+            <a:endParaRPr lang="en-US" dirty="0"/>
+          </a:p>
+        </p:txBody>
+      </p:sp>
+      <p:sp>
+        <p:nvSpPr>
+          <p:cNvPr id="3" name="Content Placeholder 2"/>
           <p:cNvSpPr>
             <a:spLocks noGrp="1"/>
           </p:cNvSpPr>
@@ -3059,8 +2464,8 @@
         </p:nvSpPr>
         <p:spPr>
           <a:xfrm>
-            <a:off x="5183188" y="987425"/>
-            <a:ext cx="6172200" cy="4873625"/>
+            <a:off x="3887391" y="987426"/>
+            <a:ext cx="4629150" cy="4873625"/>
           </a:xfrm>
         </p:spPr>
         <p:txBody>
@@ -3098,7 +2503,7 @@
             <a:pPr lvl="0"/>
             <a:r>
               <a:rPr lang="en-US"/>
-              <a:t>Edit Master text styles</a:t>
+              <a:t>Click to edit Master text styles</a:t>
             </a:r>
           </a:p>
           <a:p>
@@ -3128,19 +2533,13 @@
               <a:rPr lang="en-US"/>
               <a:t>Fifth level</a:t>
             </a:r>
-            <a:endParaRPr lang="de-DE"/>
-          </a:p>
-        </p:txBody>
-      </p:sp>
-      <p:sp>
-        <p:nvSpPr>
-          <p:cNvPr id="4" name="Text Placeholder 3">
-            <a:extLst>
-              <a:ext uri="{FF2B5EF4-FFF2-40B4-BE49-F238E27FC236}">
-                <a16:creationId xmlns:a16="http://schemas.microsoft.com/office/drawing/2014/main" id="{5F582108-1C88-4C17-B22B-0A35B03399CA}"/>
-              </a:ext>
-            </a:extLst>
-          </p:cNvPr>
+            <a:endParaRPr lang="en-US" dirty="0"/>
+          </a:p>
+        </p:txBody>
+      </p:sp>
+      <p:sp>
+        <p:nvSpPr>
+          <p:cNvPr id="4" name="Text Placeholder 3"/>
           <p:cNvSpPr>
             <a:spLocks noGrp="1"/>
           </p:cNvSpPr>
@@ -3150,8 +2549,8 @@
         </p:nvSpPr>
         <p:spPr>
           <a:xfrm>
-            <a:off x="839788" y="2057400"/>
-            <a:ext cx="3932237" cy="3811588"/>
+            <a:off x="629841" y="2057400"/>
+            <a:ext cx="2949178" cy="3811588"/>
           </a:xfrm>
         </p:spPr>
         <p:txBody>
@@ -3198,20 +2597,14 @@
             <a:pPr lvl="0"/>
             <a:r>
               <a:rPr lang="en-US"/>
-              <a:t>Edit Master text styles</a:t>
-            </a:r>
-          </a:p>
-        </p:txBody>
-      </p:sp>
-      <p:sp>
-        <p:nvSpPr>
-          <p:cNvPr id="5" name="Date Placeholder 4">
-            <a:extLst>
-              <a:ext uri="{FF2B5EF4-FFF2-40B4-BE49-F238E27FC236}">
-                <a16:creationId xmlns:a16="http://schemas.microsoft.com/office/drawing/2014/main" id="{CF28EBC4-28F6-44CA-AE55-B9E2BECFB5D5}"/>
-              </a:ext>
-            </a:extLst>
-          </p:cNvPr>
+              <a:t>Click to edit Master text styles</a:t>
+            </a:r>
+          </a:p>
+        </p:txBody>
+      </p:sp>
+      <p:sp>
+        <p:nvSpPr>
+          <p:cNvPr id="5" name="Date Placeholder 4"/>
           <p:cNvSpPr>
             <a:spLocks noGrp="1"/>
           </p:cNvSpPr>
@@ -3226,7 +2619,7 @@
           <a:p>
             <a:fld id="{89028E9F-3905-4325-8FE4-24BE77D686F8}" type="datetimeFigureOut">
               <a:rPr lang="de-DE" smtClean="0"/>
-              <a:t>22.10.2019</a:t>
+              <a:t>27.10.2019</a:t>
             </a:fld>
             <a:endParaRPr lang="de-DE"/>
           </a:p>
@@ -3234,13 +2627,7 @@
       </p:sp>
       <p:sp>
         <p:nvSpPr>
-          <p:cNvPr id="6" name="Footer Placeholder 5">
-            <a:extLst>
-              <a:ext uri="{FF2B5EF4-FFF2-40B4-BE49-F238E27FC236}">
-                <a16:creationId xmlns:a16="http://schemas.microsoft.com/office/drawing/2014/main" id="{481DD930-ECF2-4F06-9CAB-10D29893961B}"/>
-              </a:ext>
-            </a:extLst>
-          </p:cNvPr>
+          <p:cNvPr id="6" name="Footer Placeholder 5"/>
           <p:cNvSpPr>
             <a:spLocks noGrp="1"/>
           </p:cNvSpPr>
@@ -3259,13 +2646,7 @@
       </p:sp>
       <p:sp>
         <p:nvSpPr>
-          <p:cNvPr id="7" name="Slide Number Placeholder 6">
-            <a:extLst>
-              <a:ext uri="{FF2B5EF4-FFF2-40B4-BE49-F238E27FC236}">
-                <a16:creationId xmlns:a16="http://schemas.microsoft.com/office/drawing/2014/main" id="{6042D96B-F0B4-417D-A275-BEB753ABBFEF}"/>
-              </a:ext>
-            </a:extLst>
-          </p:cNvPr>
+          <p:cNvPr id="7" name="Slide Number Placeholder 6"/>
           <p:cNvSpPr>
             <a:spLocks noGrp="1"/>
           </p:cNvSpPr>
@@ -3289,7 +2670,7 @@
     </p:spTree>
     <p:extLst>
       <p:ext uri="{BB962C8B-B14F-4D97-AF65-F5344CB8AC3E}">
-        <p14:creationId xmlns:p14="http://schemas.microsoft.com/office/powerpoint/2010/main" val="4183110182"/>
+        <p14:creationId xmlns:p14="http://schemas.microsoft.com/office/powerpoint/2010/main" val="1954082459"/>
       </p:ext>
     </p:extLst>
   </p:cSld>
@@ -3318,13 +2699,7 @@
       </p:grpSpPr>
       <p:sp>
         <p:nvSpPr>
-          <p:cNvPr id="2" name="Title 1">
-            <a:extLst>
-              <a:ext uri="{FF2B5EF4-FFF2-40B4-BE49-F238E27FC236}">
-                <a16:creationId xmlns:a16="http://schemas.microsoft.com/office/drawing/2014/main" id="{209C91B6-D9F1-41B7-8937-72F2700ECFA6}"/>
-              </a:ext>
-            </a:extLst>
-          </p:cNvPr>
+          <p:cNvPr id="2" name="Title 1"/>
           <p:cNvSpPr>
             <a:spLocks noGrp="1"/>
           </p:cNvSpPr>
@@ -3334,8 +2709,8 @@
         </p:nvSpPr>
         <p:spPr>
           <a:xfrm>
-            <a:off x="839788" y="457200"/>
-            <a:ext cx="3932237" cy="1600200"/>
+            <a:off x="629841" y="457200"/>
+            <a:ext cx="2949178" cy="1600200"/>
           </a:xfrm>
         </p:spPr>
         <p:txBody>
@@ -3350,21 +2725,15 @@
               <a:rPr lang="en-US"/>
               <a:t>Click to edit Master title style</a:t>
             </a:r>
-            <a:endParaRPr lang="de-DE"/>
-          </a:p>
-        </p:txBody>
-      </p:sp>
-      <p:sp>
-        <p:nvSpPr>
-          <p:cNvPr id="3" name="Picture Placeholder 2">
-            <a:extLst>
-              <a:ext uri="{FF2B5EF4-FFF2-40B4-BE49-F238E27FC236}">
-                <a16:creationId xmlns:a16="http://schemas.microsoft.com/office/drawing/2014/main" id="{8598B63B-F558-4807-B3DC-16E2EB110C3B}"/>
-              </a:ext>
-            </a:extLst>
-          </p:cNvPr>
-          <p:cNvSpPr>
-            <a:spLocks noGrp="1"/>
+            <a:endParaRPr lang="en-US" dirty="0"/>
+          </a:p>
+        </p:txBody>
+      </p:sp>
+      <p:sp>
+        <p:nvSpPr>
+          <p:cNvPr id="3" name="Picture Placeholder 2"/>
+          <p:cNvSpPr>
+            <a:spLocks noGrp="1" noChangeAspect="1"/>
           </p:cNvSpPr>
           <p:nvPr>
             <p:ph type="pic" idx="1"/>
@@ -3372,12 +2741,12 @@
         </p:nvSpPr>
         <p:spPr>
           <a:xfrm>
-            <a:off x="5183188" y="987425"/>
-            <a:ext cx="6172200" cy="4873625"/>
+            <a:off x="3887391" y="987426"/>
+            <a:ext cx="4629150" cy="4873625"/>
           </a:xfrm>
         </p:spPr>
         <p:txBody>
-          <a:bodyPr/>
+          <a:bodyPr anchor="t"/>
           <a:lstStyle>
             <a:lvl1pPr marL="0" indent="0">
               <a:buNone/>
@@ -3417,19 +2786,17 @@
             </a:lvl9pPr>
           </a:lstStyle>
           <a:p>
-            <a:endParaRPr lang="de-DE"/>
-          </a:p>
-        </p:txBody>
-      </p:sp>
-      <p:sp>
-        <p:nvSpPr>
-          <p:cNvPr id="4" name="Text Placeholder 3">
-            <a:extLst>
-              <a:ext uri="{FF2B5EF4-FFF2-40B4-BE49-F238E27FC236}">
-                <a16:creationId xmlns:a16="http://schemas.microsoft.com/office/drawing/2014/main" id="{4B66445F-D2A3-451E-98BF-3A5EC1C41CF1}"/>
-              </a:ext>
-            </a:extLst>
-          </p:cNvPr>
+            <a:r>
+              <a:rPr lang="en-US"/>
+              <a:t>Click icon to add picture</a:t>
+            </a:r>
+            <a:endParaRPr lang="en-US" dirty="0"/>
+          </a:p>
+        </p:txBody>
+      </p:sp>
+      <p:sp>
+        <p:nvSpPr>
+          <p:cNvPr id="4" name="Text Placeholder 3"/>
           <p:cNvSpPr>
             <a:spLocks noGrp="1"/>
           </p:cNvSpPr>
@@ -3439,8 +2806,8 @@
         </p:nvSpPr>
         <p:spPr>
           <a:xfrm>
-            <a:off x="839788" y="2057400"/>
-            <a:ext cx="3932237" cy="3811588"/>
+            <a:off x="629841" y="2057400"/>
+            <a:ext cx="2949178" cy="3811588"/>
           </a:xfrm>
         </p:spPr>
         <p:txBody>
@@ -3487,20 +2854,14 @@
             <a:pPr lvl="0"/>
             <a:r>
               <a:rPr lang="en-US"/>
-              <a:t>Edit Master text styles</a:t>
-            </a:r>
-          </a:p>
-        </p:txBody>
-      </p:sp>
-      <p:sp>
-        <p:nvSpPr>
-          <p:cNvPr id="5" name="Date Placeholder 4">
-            <a:extLst>
-              <a:ext uri="{FF2B5EF4-FFF2-40B4-BE49-F238E27FC236}">
-                <a16:creationId xmlns:a16="http://schemas.microsoft.com/office/drawing/2014/main" id="{98AF9E48-E50E-4EAE-A948-DA5B3D49B035}"/>
-              </a:ext>
-            </a:extLst>
-          </p:cNvPr>
+              <a:t>Click to edit Master text styles</a:t>
+            </a:r>
+          </a:p>
+        </p:txBody>
+      </p:sp>
+      <p:sp>
+        <p:nvSpPr>
+          <p:cNvPr id="5" name="Date Placeholder 4"/>
           <p:cNvSpPr>
             <a:spLocks noGrp="1"/>
           </p:cNvSpPr>
@@ -3515,7 +2876,7 @@
           <a:p>
             <a:fld id="{89028E9F-3905-4325-8FE4-24BE77D686F8}" type="datetimeFigureOut">
               <a:rPr lang="de-DE" smtClean="0"/>
-              <a:t>22.10.2019</a:t>
+              <a:t>27.10.2019</a:t>
             </a:fld>
             <a:endParaRPr lang="de-DE"/>
           </a:p>
@@ -3523,13 +2884,7 @@
       </p:sp>
       <p:sp>
         <p:nvSpPr>
-          <p:cNvPr id="6" name="Footer Placeholder 5">
-            <a:extLst>
-              <a:ext uri="{FF2B5EF4-FFF2-40B4-BE49-F238E27FC236}">
-                <a16:creationId xmlns:a16="http://schemas.microsoft.com/office/drawing/2014/main" id="{1C73E57E-6744-48A5-A6E8-1EEB8A1523AC}"/>
-              </a:ext>
-            </a:extLst>
-          </p:cNvPr>
+          <p:cNvPr id="6" name="Footer Placeholder 5"/>
           <p:cNvSpPr>
             <a:spLocks noGrp="1"/>
           </p:cNvSpPr>
@@ -3548,13 +2903,7 @@
       </p:sp>
       <p:sp>
         <p:nvSpPr>
-          <p:cNvPr id="7" name="Slide Number Placeholder 6">
-            <a:extLst>
-              <a:ext uri="{FF2B5EF4-FFF2-40B4-BE49-F238E27FC236}">
-                <a16:creationId xmlns:a16="http://schemas.microsoft.com/office/drawing/2014/main" id="{56E68643-2611-4570-89BA-1C43D5B9F789}"/>
-              </a:ext>
-            </a:extLst>
-          </p:cNvPr>
+          <p:cNvPr id="7" name="Slide Number Placeholder 6"/>
           <p:cNvSpPr>
             <a:spLocks noGrp="1"/>
           </p:cNvSpPr>
@@ -3578,7 +2927,7 @@
     </p:spTree>
     <p:extLst>
       <p:ext uri="{BB962C8B-B14F-4D97-AF65-F5344CB8AC3E}">
-        <p14:creationId xmlns:p14="http://schemas.microsoft.com/office/powerpoint/2010/main" val="1516710205"/>
+        <p14:creationId xmlns:p14="http://schemas.microsoft.com/office/powerpoint/2010/main" val="2627779887"/>
       </p:ext>
     </p:extLst>
   </p:cSld>
@@ -3612,13 +2961,7 @@
       </p:grpSpPr>
       <p:sp>
         <p:nvSpPr>
-          <p:cNvPr id="2" name="Title Placeholder 1">
-            <a:extLst>
-              <a:ext uri="{FF2B5EF4-FFF2-40B4-BE49-F238E27FC236}">
-                <a16:creationId xmlns:a16="http://schemas.microsoft.com/office/drawing/2014/main" id="{D4032EE7-1D96-44A0-95FB-39C59F0FE604}"/>
-              </a:ext>
-            </a:extLst>
-          </p:cNvPr>
+          <p:cNvPr id="2" name="Title Placeholder 1"/>
           <p:cNvSpPr>
             <a:spLocks noGrp="1"/>
           </p:cNvSpPr>
@@ -3628,8 +2971,8 @@
         </p:nvSpPr>
         <p:spPr>
           <a:xfrm>
-            <a:off x="838200" y="365125"/>
-            <a:ext cx="10515600" cy="1325563"/>
+            <a:off x="628650" y="365126"/>
+            <a:ext cx="7886700" cy="1325563"/>
           </a:xfrm>
           <a:prstGeom prst="rect">
             <a:avLst/>
@@ -3645,19 +2988,13 @@
               <a:rPr lang="en-US"/>
               <a:t>Click to edit Master title style</a:t>
             </a:r>
-            <a:endParaRPr lang="de-DE"/>
-          </a:p>
-        </p:txBody>
-      </p:sp>
-      <p:sp>
-        <p:nvSpPr>
-          <p:cNvPr id="3" name="Text Placeholder 2">
-            <a:extLst>
-              <a:ext uri="{FF2B5EF4-FFF2-40B4-BE49-F238E27FC236}">
-                <a16:creationId xmlns:a16="http://schemas.microsoft.com/office/drawing/2014/main" id="{3175C09E-E892-4A2D-A737-17D95A72F97F}"/>
-              </a:ext>
-            </a:extLst>
-          </p:cNvPr>
+            <a:endParaRPr lang="en-US" dirty="0"/>
+          </a:p>
+        </p:txBody>
+      </p:sp>
+      <p:sp>
+        <p:nvSpPr>
+          <p:cNvPr id="3" name="Text Placeholder 2"/>
           <p:cNvSpPr>
             <a:spLocks noGrp="1"/>
           </p:cNvSpPr>
@@ -3667,8 +3004,8 @@
         </p:nvSpPr>
         <p:spPr>
           <a:xfrm>
-            <a:off x="838200" y="1825625"/>
-            <a:ext cx="10515600" cy="4351338"/>
+            <a:off x="628650" y="1825625"/>
+            <a:ext cx="7886700" cy="4351338"/>
           </a:xfrm>
           <a:prstGeom prst="rect">
             <a:avLst/>
@@ -3683,7 +3020,7 @@
             <a:pPr lvl="0"/>
             <a:r>
               <a:rPr lang="en-US"/>
-              <a:t>Edit Master text styles</a:t>
+              <a:t>Click to edit Master text styles</a:t>
             </a:r>
           </a:p>
           <a:p>
@@ -3713,19 +3050,13 @@
               <a:rPr lang="en-US"/>
               <a:t>Fifth level</a:t>
             </a:r>
-            <a:endParaRPr lang="de-DE"/>
-          </a:p>
-        </p:txBody>
-      </p:sp>
-      <p:sp>
-        <p:nvSpPr>
-          <p:cNvPr id="4" name="Date Placeholder 3">
-            <a:extLst>
-              <a:ext uri="{FF2B5EF4-FFF2-40B4-BE49-F238E27FC236}">
-                <a16:creationId xmlns:a16="http://schemas.microsoft.com/office/drawing/2014/main" id="{4DB0096C-EB9B-45B1-89F5-BC5DBAB42E80}"/>
-              </a:ext>
-            </a:extLst>
-          </p:cNvPr>
+            <a:endParaRPr lang="en-US" dirty="0"/>
+          </a:p>
+        </p:txBody>
+      </p:sp>
+      <p:sp>
+        <p:nvSpPr>
+          <p:cNvPr id="4" name="Date Placeholder 3"/>
           <p:cNvSpPr>
             <a:spLocks noGrp="1"/>
           </p:cNvSpPr>
@@ -3735,8 +3066,8 @@
         </p:nvSpPr>
         <p:spPr>
           <a:xfrm>
-            <a:off x="838200" y="6356350"/>
-            <a:ext cx="2743200" cy="365125"/>
+            <a:off x="628650" y="6356351"/>
+            <a:ext cx="2057400" cy="365125"/>
           </a:xfrm>
           <a:prstGeom prst="rect">
             <a:avLst/>
@@ -3758,7 +3089,7 @@
           <a:p>
             <a:fld id="{89028E9F-3905-4325-8FE4-24BE77D686F8}" type="datetimeFigureOut">
               <a:rPr lang="de-DE" smtClean="0"/>
-              <a:t>22.10.2019</a:t>
+              <a:t>27.10.2019</a:t>
             </a:fld>
             <a:endParaRPr lang="de-DE"/>
           </a:p>
@@ -3766,13 +3097,7 @@
       </p:sp>
       <p:sp>
         <p:nvSpPr>
-          <p:cNvPr id="5" name="Footer Placeholder 4">
-            <a:extLst>
-              <a:ext uri="{FF2B5EF4-FFF2-40B4-BE49-F238E27FC236}">
-                <a16:creationId xmlns:a16="http://schemas.microsoft.com/office/drawing/2014/main" id="{096E1239-EFB6-4773-B696-12CA895C2488}"/>
-              </a:ext>
-            </a:extLst>
-          </p:cNvPr>
+          <p:cNvPr id="5" name="Footer Placeholder 4"/>
           <p:cNvSpPr>
             <a:spLocks noGrp="1"/>
           </p:cNvSpPr>
@@ -3782,8 +3107,8 @@
         </p:nvSpPr>
         <p:spPr>
           <a:xfrm>
-            <a:off x="4038600" y="6356350"/>
-            <a:ext cx="4114800" cy="365125"/>
+            <a:off x="3028950" y="6356351"/>
+            <a:ext cx="3086100" cy="365125"/>
           </a:xfrm>
           <a:prstGeom prst="rect">
             <a:avLst/>
@@ -3809,13 +3134,7 @@
       </p:sp>
       <p:sp>
         <p:nvSpPr>
-          <p:cNvPr id="6" name="Slide Number Placeholder 5">
-            <a:extLst>
-              <a:ext uri="{FF2B5EF4-FFF2-40B4-BE49-F238E27FC236}">
-                <a16:creationId xmlns:a16="http://schemas.microsoft.com/office/drawing/2014/main" id="{F3329C30-7220-413B-BA8A-0CCDA5BE045E}"/>
-              </a:ext>
-            </a:extLst>
-          </p:cNvPr>
+          <p:cNvPr id="6" name="Slide Number Placeholder 5"/>
           <p:cNvSpPr>
             <a:spLocks noGrp="1"/>
           </p:cNvSpPr>
@@ -3825,8 +3144,8 @@
         </p:nvSpPr>
         <p:spPr>
           <a:xfrm>
-            <a:off x="8610600" y="6356350"/>
-            <a:ext cx="2743200" cy="365125"/>
+            <a:off x="6457950" y="6356351"/>
+            <a:ext cx="2057400" cy="365125"/>
           </a:xfrm>
           <a:prstGeom prst="rect">
             <a:avLst/>
@@ -3857,23 +3176,23 @@
     </p:spTree>
     <p:extLst>
       <p:ext uri="{BB962C8B-B14F-4D97-AF65-F5344CB8AC3E}">
-        <p14:creationId xmlns:p14="http://schemas.microsoft.com/office/powerpoint/2010/main" val="304918831"/>
+        <p14:creationId xmlns:p14="http://schemas.microsoft.com/office/powerpoint/2010/main" val="3931967938"/>
       </p:ext>
     </p:extLst>
   </p:cSld>
   <p:clrMap bg1="lt1" tx1="dk1" bg2="lt2" tx2="dk2" accent1="accent1" accent2="accent2" accent3="accent3" accent4="accent4" accent5="accent5" accent6="accent6" hlink="hlink" folHlink="folHlink"/>
   <p:sldLayoutIdLst>
-    <p:sldLayoutId id="2147483649" r:id="rId1"/>
-    <p:sldLayoutId id="2147483650" r:id="rId2"/>
-    <p:sldLayoutId id="2147483651" r:id="rId3"/>
-    <p:sldLayoutId id="2147483652" r:id="rId4"/>
-    <p:sldLayoutId id="2147483653" r:id="rId5"/>
-    <p:sldLayoutId id="2147483654" r:id="rId6"/>
-    <p:sldLayoutId id="2147483655" r:id="rId7"/>
-    <p:sldLayoutId id="2147483656" r:id="rId8"/>
-    <p:sldLayoutId id="2147483657" r:id="rId9"/>
-    <p:sldLayoutId id="2147483658" r:id="rId10"/>
-    <p:sldLayoutId id="2147483659" r:id="rId11"/>
+    <p:sldLayoutId id="2147483661" r:id="rId1"/>
+    <p:sldLayoutId id="2147483662" r:id="rId2"/>
+    <p:sldLayoutId id="2147483663" r:id="rId3"/>
+    <p:sldLayoutId id="2147483664" r:id="rId4"/>
+    <p:sldLayoutId id="2147483665" r:id="rId5"/>
+    <p:sldLayoutId id="2147483666" r:id="rId6"/>
+    <p:sldLayoutId id="2147483667" r:id="rId7"/>
+    <p:sldLayoutId id="2147483668" r:id="rId8"/>
+    <p:sldLayoutId id="2147483669" r:id="rId9"/>
+    <p:sldLayoutId id="2147483670" r:id="rId10"/>
+    <p:sldLayoutId id="2147483671" r:id="rId11"/>
   </p:sldLayoutIdLst>
   <p:txStyles>
     <p:titleStyle>
@@ -4061,7 +3380,7 @@
     </p:bodyStyle>
     <p:otherStyle>
       <a:defPPr>
-        <a:defRPr lang="de-DE"/>
+        <a:defRPr lang="en-US"/>
       </a:defPPr>
       <a:lvl1pPr marL="0" algn="l" defTabSz="914400" rtl="0" eaLnBrk="1" latinLnBrk="0" hangingPunct="1">
         <a:defRPr sz="1800" kern="1200">
@@ -4177,24 +3496,24 @@
       </p:grpSpPr>
       <p:cxnSp>
         <p:nvCxnSpPr>
-          <p:cNvPr id="40" name="Straight Arrow Connector 39">
+          <p:cNvPr id="55" name="Straight Arrow Connector 54">
             <a:extLst>
               <a:ext uri="{FF2B5EF4-FFF2-40B4-BE49-F238E27FC236}">
-                <a16:creationId xmlns:a16="http://schemas.microsoft.com/office/drawing/2014/main" id="{CF28C14C-B174-402C-87C6-4D29BDC8BD6B}"/>
+                <a16:creationId xmlns:a16="http://schemas.microsoft.com/office/drawing/2014/main" id="{1C01860F-0B6F-4D5F-981C-4F4E629AC488}"/>
               </a:ext>
             </a:extLst>
           </p:cNvPr>
           <p:cNvCxnSpPr>
             <a:cxnSpLocks/>
-            <a:stCxn id="78" idx="2"/>
-            <a:endCxn id="62" idx="0"/>
+            <a:stCxn id="65" idx="2"/>
+            <a:endCxn id="56" idx="0"/>
           </p:cNvCxnSpPr>
           <p:nvPr/>
         </p:nvCxnSpPr>
         <p:spPr>
           <a:xfrm>
-            <a:off x="2317141" y="2857291"/>
-            <a:ext cx="0" cy="659468"/>
+            <a:off x="2525220" y="2074781"/>
+            <a:ext cx="0" cy="296369"/>
           </a:xfrm>
           <a:prstGeom prst="straightConnector1">
             <a:avLst/>
@@ -4228,10 +3547,10 @@
       </p:cxnSp>
       <p:sp>
         <p:nvSpPr>
-          <p:cNvPr id="62" name="Rectangle: Rounded Corners 61">
+          <p:cNvPr id="56" name="Rectangle: Rounded Corners 55">
             <a:extLst>
               <a:ext uri="{FF2B5EF4-FFF2-40B4-BE49-F238E27FC236}">
-                <a16:creationId xmlns:a16="http://schemas.microsoft.com/office/drawing/2014/main" id="{64426494-DB82-48D2-A2B5-0118FD07967B}"/>
+                <a16:creationId xmlns:a16="http://schemas.microsoft.com/office/drawing/2014/main" id="{648F61FD-259B-4BF5-9698-BCC5190BDEF3}"/>
               </a:ext>
             </a:extLst>
           </p:cNvPr>
@@ -4240,8 +3559,8 @@
         </p:nvSpPr>
         <p:spPr>
           <a:xfrm>
-            <a:off x="1767310" y="3516759"/>
-            <a:ext cx="1099661" cy="609726"/>
+            <a:off x="1975390" y="2371150"/>
+            <a:ext cx="1099661" cy="527029"/>
           </a:xfrm>
           <a:prstGeom prst="roundRect">
             <a:avLst/>
@@ -4289,30 +3608,14 @@
               <a:t> Z21</a:t>
             </a:r>
           </a:p>
-          <a:p>
-            <a:pPr algn="ctr"/>
-            <a:r>
-              <a:rPr lang="de-DE" sz="900" dirty="0">
-                <a:solidFill>
-                  <a:schemeClr val="bg2">
-                    <a:lumMod val="50000"/>
-                  </a:schemeClr>
-                </a:solidFill>
-                <a:highlight>
-                  <a:srgbClr val="00FF00"/>
-                </a:highlight>
-              </a:rPr>
-              <a:t>192.168.1.144 </a:t>
-            </a:r>
-          </a:p>
         </p:txBody>
       </p:sp>
       <p:grpSp>
         <p:nvGrpSpPr>
-          <p:cNvPr id="63" name="Group 62">
+          <p:cNvPr id="57" name="Group 56">
             <a:extLst>
               <a:ext uri="{FF2B5EF4-FFF2-40B4-BE49-F238E27FC236}">
-                <a16:creationId xmlns:a16="http://schemas.microsoft.com/office/drawing/2014/main" id="{A970E67F-4295-4D26-B5BD-761567807F28}"/>
+                <a16:creationId xmlns:a16="http://schemas.microsoft.com/office/drawing/2014/main" id="{1C239DAB-4C01-42C6-BB5E-32EDF026D1E0}"/>
               </a:ext>
             </a:extLst>
           </p:cNvPr>
@@ -4321,18 +3624,18 @@
         </p:nvGrpSpPr>
         <p:grpSpPr>
           <a:xfrm>
-            <a:off x="7388257" y="1825745"/>
-            <a:ext cx="967495" cy="1271318"/>
+            <a:off x="7657883" y="1134663"/>
+            <a:ext cx="967495" cy="1088461"/>
             <a:chOff x="9090905" y="4721073"/>
             <a:chExt cx="967495" cy="1088461"/>
           </a:xfrm>
         </p:grpSpPr>
         <p:sp>
           <p:nvSpPr>
-            <p:cNvPr id="69" name="Rectangle: Rounded Corners 68">
+            <p:cNvPr id="58" name="Rectangle: Rounded Corners 57">
               <a:extLst>
                 <a:ext uri="{FF2B5EF4-FFF2-40B4-BE49-F238E27FC236}">
-                  <a16:creationId xmlns:a16="http://schemas.microsoft.com/office/drawing/2014/main" id="{82F4AE9D-8D85-4D55-8D79-0912EDCBF10C}"/>
+                  <a16:creationId xmlns:a16="http://schemas.microsoft.com/office/drawing/2014/main" id="{87F64D8A-03E4-47A4-BAA8-B6564A5FB96F}"/>
                 </a:ext>
               </a:extLst>
             </p:cNvPr>
@@ -4397,46 +3700,16 @@
                 <a:rPr lang="de-DE" sz="1000" dirty="0" err="1"/>
                 <a:t>RocNetNode</a:t>
               </a:r>
-              <a:endParaRPr lang="de-DE" sz="1000" dirty="0"/>
-            </a:p>
-            <a:p>
-              <a:pPr algn="ctr"/>
-              <a:r>
-                <a:rPr lang="de-DE" sz="900" dirty="0" err="1">
-                  <a:solidFill>
-                    <a:schemeClr val="bg2">
-                      <a:lumMod val="50000"/>
-                    </a:schemeClr>
-                  </a:solidFill>
-                  <a:highlight>
-                    <a:srgbClr val="00FF00"/>
-                  </a:highlight>
-                </a:rPr>
-                <a:t>railrocpi</a:t>
-              </a:r>
-              <a:r>
-                <a:rPr lang="de-DE" sz="900" dirty="0">
-                  <a:solidFill>
-                    <a:schemeClr val="bg2">
-                      <a:lumMod val="50000"/>
-                    </a:schemeClr>
-                  </a:solidFill>
-                  <a:highlight>
-                    <a:srgbClr val="00FF00"/>
-                  </a:highlight>
-                </a:rPr>
-                <a:t> 192.168.1.140</a:t>
-              </a:r>
               <a:endParaRPr lang="de-DE" sz="900" dirty="0"/>
             </a:p>
           </p:txBody>
         </p:sp>
         <p:pic>
           <p:nvPicPr>
-            <p:cNvPr id="70" name="Picture 10" descr="Bildergebnis fÃ¼r raspberry">
+            <p:cNvPr id="59" name="Picture 10" descr="Bildergebnis fÃ¼r raspberry">
               <a:extLst>
                 <a:ext uri="{FF2B5EF4-FFF2-40B4-BE49-F238E27FC236}">
-                  <a16:creationId xmlns:a16="http://schemas.microsoft.com/office/drawing/2014/main" id="{234043ED-8654-4348-A034-74A9D5135D44}"/>
+                  <a16:creationId xmlns:a16="http://schemas.microsoft.com/office/drawing/2014/main" id="{649237C9-540C-43CD-8152-EDD2E147A396}"/>
                 </a:ext>
               </a:extLst>
             </p:cNvPr>
@@ -4446,7 +3719,7 @@
             <p:nvPr/>
           </p:nvPicPr>
           <p:blipFill>
-            <a:blip r:embed="rId3">
+            <a:blip r:embed="rId2">
               <a:extLst>
                 <a:ext uri="{28A0092B-C50C-407E-A947-70E740481C1C}">
                   <a14:useLocalDpi xmlns:a14="http://schemas.microsoft.com/office/drawing/2010/main" val="0"/>
@@ -4460,8 +3733,8 @@
           </p:blipFill>
           <p:spPr bwMode="auto">
             <a:xfrm>
-              <a:off x="9421797" y="4747462"/>
-              <a:ext cx="278625" cy="331696"/>
+              <a:off x="9387227" y="4784678"/>
+              <a:ext cx="374850" cy="446250"/>
             </a:xfrm>
             <a:prstGeom prst="rect">
               <a:avLst/>
@@ -4488,10 +3761,10 @@
       </p:grpSp>
       <p:grpSp>
         <p:nvGrpSpPr>
-          <p:cNvPr id="66" name="Group 65">
+          <p:cNvPr id="60" name="Group 59">
             <a:extLst>
               <a:ext uri="{FF2B5EF4-FFF2-40B4-BE49-F238E27FC236}">
-                <a16:creationId xmlns:a16="http://schemas.microsoft.com/office/drawing/2014/main" id="{32C6C292-8CAF-4E30-A629-44B9B5F4263B}"/>
+                <a16:creationId xmlns:a16="http://schemas.microsoft.com/office/drawing/2014/main" id="{06CB3373-CE7D-4199-BC35-DD30923A87E8}"/>
               </a:ext>
             </a:extLst>
           </p:cNvPr>
@@ -4500,7 +3773,7 @@
         </p:nvGrpSpPr>
         <p:grpSpPr>
           <a:xfrm>
-            <a:off x="1488402" y="4807714"/>
+            <a:off x="1696482" y="3409737"/>
             <a:ext cx="1665111" cy="352658"/>
             <a:chOff x="5825290" y="3473753"/>
             <a:chExt cx="1665111" cy="352658"/>
@@ -4508,10 +3781,10 @@
         </p:grpSpPr>
         <p:sp>
           <p:nvSpPr>
-            <p:cNvPr id="72" name="Rectangle: Rounded Corners 71">
+            <p:cNvPr id="61" name="Rectangle: Rounded Corners 60">
               <a:extLst>
                 <a:ext uri="{FF2B5EF4-FFF2-40B4-BE49-F238E27FC236}">
-                  <a16:creationId xmlns:a16="http://schemas.microsoft.com/office/drawing/2014/main" id="{63F06BEB-0BD2-4A65-A4C3-16D736164B4A}"/>
+                  <a16:creationId xmlns:a16="http://schemas.microsoft.com/office/drawing/2014/main" id="{F6567F9E-7314-49FF-8035-3D797D6A87B9}"/>
                 </a:ext>
               </a:extLst>
             </p:cNvPr>
@@ -4560,10 +3833,10 @@
         </p:sp>
         <p:pic>
           <p:nvPicPr>
-            <p:cNvPr id="1032" name="Picture 8" descr="Ãhnliches Foto">
+            <p:cNvPr id="62" name="Picture 8" descr="Ãhnliches Foto">
               <a:extLst>
                 <a:ext uri="{FF2B5EF4-FFF2-40B4-BE49-F238E27FC236}">
-                  <a16:creationId xmlns:a16="http://schemas.microsoft.com/office/drawing/2014/main" id="{0530D918-7F94-4277-A886-1957187E8110}"/>
+                  <a16:creationId xmlns:a16="http://schemas.microsoft.com/office/drawing/2014/main" id="{16616460-3C40-4F74-99EF-07913A8A89B1}"/>
                 </a:ext>
               </a:extLst>
             </p:cNvPr>
@@ -4573,7 +3846,7 @@
             <p:nvPr/>
           </p:nvPicPr>
           <p:blipFill rotWithShape="1">
-            <a:blip r:embed="rId4">
+            <a:blip r:embed="rId3">
               <a:extLst>
                 <a:ext uri="{28A0092B-C50C-407E-A947-70E740481C1C}">
                   <a14:useLocalDpi xmlns:a14="http://schemas.microsoft.com/office/drawing/2010/main" val="0"/>
@@ -4606,10 +3879,10 @@
       </p:grpSp>
       <p:grpSp>
         <p:nvGrpSpPr>
-          <p:cNvPr id="68" name="Group 67">
+          <p:cNvPr id="63" name="Group 62">
             <a:extLst>
               <a:ext uri="{FF2B5EF4-FFF2-40B4-BE49-F238E27FC236}">
-                <a16:creationId xmlns:a16="http://schemas.microsoft.com/office/drawing/2014/main" id="{8A0384B8-F748-442D-B729-00268AAA74BE}"/>
+                <a16:creationId xmlns:a16="http://schemas.microsoft.com/office/drawing/2014/main" id="{BA4D91FB-4455-40A6-8511-C3436DC7F5CB}"/>
               </a:ext>
             </a:extLst>
           </p:cNvPr>
@@ -4618,7 +3891,7 @@
         </p:nvGrpSpPr>
         <p:grpSpPr>
           <a:xfrm>
-            <a:off x="1944879" y="2068375"/>
+            <a:off x="2152958" y="1285864"/>
             <a:ext cx="752156" cy="788916"/>
             <a:chOff x="8179470" y="1576149"/>
             <a:chExt cx="752156" cy="788916"/>
@@ -4626,10 +3899,10 @@
         </p:grpSpPr>
         <p:pic>
           <p:nvPicPr>
-            <p:cNvPr id="1026" name="Picture 2" descr="http://clipart-library.com/image_gallery/236717.png">
+            <p:cNvPr id="64" name="Picture 2" descr="http://clipart-library.com/image_gallery/236717.png">
               <a:extLst>
                 <a:ext uri="{FF2B5EF4-FFF2-40B4-BE49-F238E27FC236}">
-                  <a16:creationId xmlns:a16="http://schemas.microsoft.com/office/drawing/2014/main" id="{11F3E943-E24E-4916-80B8-6BEB29EFB965}"/>
+                  <a16:creationId xmlns:a16="http://schemas.microsoft.com/office/drawing/2014/main" id="{5CCDBF59-EC13-488A-BDF0-F45EDF164496}"/>
                 </a:ext>
               </a:extLst>
             </p:cNvPr>
@@ -4639,7 +3912,7 @@
             <p:nvPr/>
           </p:nvPicPr>
           <p:blipFill>
-            <a:blip r:embed="rId5">
+            <a:blip r:embed="rId4">
               <a:extLst>
                 <a:ext uri="{28A0092B-C50C-407E-A947-70E740481C1C}">
                   <a14:useLocalDpi xmlns:a14="http://schemas.microsoft.com/office/drawing/2010/main" val="0"/>
@@ -4673,10 +3946,10 @@
         </p:pic>
         <p:sp>
           <p:nvSpPr>
-            <p:cNvPr id="78" name="Rectangle: Rounded Corners 77">
+            <p:cNvPr id="65" name="Rectangle: Rounded Corners 64">
               <a:extLst>
                 <a:ext uri="{FF2B5EF4-FFF2-40B4-BE49-F238E27FC236}">
-                  <a16:creationId xmlns:a16="http://schemas.microsoft.com/office/drawing/2014/main" id="{340E5BA3-AF4F-4A63-B96F-957E74606513}"/>
+                  <a16:creationId xmlns:a16="http://schemas.microsoft.com/office/drawing/2014/main" id="{1DD274E4-16C7-4993-B567-5CD89271D1BD}"/>
                 </a:ext>
               </a:extLst>
             </p:cNvPr>
@@ -4726,24 +3999,24 @@
       </p:grpSp>
       <p:cxnSp>
         <p:nvCxnSpPr>
-          <p:cNvPr id="85" name="Straight Arrow Connector 84">
+          <p:cNvPr id="66" name="Straight Arrow Connector 65">
             <a:extLst>
               <a:ext uri="{FF2B5EF4-FFF2-40B4-BE49-F238E27FC236}">
-                <a16:creationId xmlns:a16="http://schemas.microsoft.com/office/drawing/2014/main" id="{9BF8D462-EC99-4E44-82F3-64FB011E1469}"/>
+                <a16:creationId xmlns:a16="http://schemas.microsoft.com/office/drawing/2014/main" id="{8D7FC86E-2530-4F29-911B-C71A721F314D}"/>
               </a:ext>
             </a:extLst>
           </p:cNvPr>
           <p:cNvCxnSpPr>
             <a:cxnSpLocks/>
-            <a:stCxn id="72" idx="0"/>
-            <a:endCxn id="62" idx="2"/>
+            <a:stCxn id="61" idx="0"/>
+            <a:endCxn id="56" idx="2"/>
           </p:cNvCxnSpPr>
           <p:nvPr/>
         </p:nvCxnSpPr>
         <p:spPr>
           <a:xfrm flipH="1" flipV="1">
-            <a:off x="2317141" y="4126485"/>
-            <a:ext cx="3817" cy="681229"/>
+            <a:off x="2525221" y="2898179"/>
+            <a:ext cx="3817" cy="511559"/>
           </a:xfrm>
           <a:prstGeom prst="straightConnector1">
             <a:avLst/>
@@ -4777,24 +4050,24 @@
       </p:cxnSp>
       <p:cxnSp>
         <p:nvCxnSpPr>
-          <p:cNvPr id="92" name="Straight Arrow Connector 91">
+          <p:cNvPr id="67" name="Straight Arrow Connector 66">
             <a:extLst>
               <a:ext uri="{FF2B5EF4-FFF2-40B4-BE49-F238E27FC236}">
-                <a16:creationId xmlns:a16="http://schemas.microsoft.com/office/drawing/2014/main" id="{C82ED433-19E4-425B-B25D-783AB6660D13}"/>
+                <a16:creationId xmlns:a16="http://schemas.microsoft.com/office/drawing/2014/main" id="{05CF3DCF-222D-4BF9-89A8-49727838D518}"/>
               </a:ext>
             </a:extLst>
           </p:cNvPr>
           <p:cNvCxnSpPr>
             <a:cxnSpLocks/>
-            <a:stCxn id="78" idx="3"/>
-            <a:endCxn id="69" idx="1"/>
+            <a:stCxn id="65" idx="3"/>
+            <a:endCxn id="58" idx="1"/>
           </p:cNvCxnSpPr>
           <p:nvPr/>
         </p:nvCxnSpPr>
         <p:spPr>
           <a:xfrm flipV="1">
-            <a:off x="2689403" y="2461404"/>
-            <a:ext cx="4698854" cy="1429"/>
+            <a:off x="2897482" y="1678894"/>
+            <a:ext cx="4760400" cy="1429"/>
           </a:xfrm>
           <a:prstGeom prst="straightConnector1">
             <a:avLst/>
@@ -4828,10 +4101,10 @@
       </p:cxnSp>
       <p:grpSp>
         <p:nvGrpSpPr>
-          <p:cNvPr id="90" name="Group 89">
+          <p:cNvPr id="68" name="Group 67">
             <a:extLst>
               <a:ext uri="{FF2B5EF4-FFF2-40B4-BE49-F238E27FC236}">
-                <a16:creationId xmlns:a16="http://schemas.microsoft.com/office/drawing/2014/main" id="{1F22D035-F1E4-4104-97E2-8FF3B90A38F5}"/>
+                <a16:creationId xmlns:a16="http://schemas.microsoft.com/office/drawing/2014/main" id="{BDB64FAD-27B1-488D-8545-118FB1A95ADF}"/>
               </a:ext>
             </a:extLst>
           </p:cNvPr>
@@ -4840,7 +4113,7 @@
         </p:nvGrpSpPr>
         <p:grpSpPr>
           <a:xfrm>
-            <a:off x="359218" y="292602"/>
+            <a:off x="92513" y="292603"/>
             <a:ext cx="1585661" cy="1177547"/>
             <a:chOff x="1590675" y="242888"/>
             <a:chExt cx="1585661" cy="1177547"/>
@@ -4848,10 +4121,10 @@
         </p:grpSpPr>
         <p:pic>
           <p:nvPicPr>
-            <p:cNvPr id="1036" name="Picture 12" descr="Bildergebnis fÃ¼r tablet">
+            <p:cNvPr id="69" name="Picture 12" descr="Bildergebnis fÃ¼r tablet">
               <a:extLst>
                 <a:ext uri="{FF2B5EF4-FFF2-40B4-BE49-F238E27FC236}">
-                  <a16:creationId xmlns:a16="http://schemas.microsoft.com/office/drawing/2014/main" id="{43311141-616D-43B3-B6A1-EB7414DD543F}"/>
+                  <a16:creationId xmlns:a16="http://schemas.microsoft.com/office/drawing/2014/main" id="{2CDF48CD-30AE-4D0E-813D-FAFE3FD50708}"/>
                 </a:ext>
               </a:extLst>
             </p:cNvPr>
@@ -4861,7 +4134,7 @@
             <p:nvPr/>
           </p:nvPicPr>
           <p:blipFill>
-            <a:blip r:embed="rId6">
+            <a:blip r:embed="rId5">
               <a:extLst>
                 <a:ext uri="{28A0092B-C50C-407E-A947-70E740481C1C}">
                   <a14:useLocalDpi xmlns:a14="http://schemas.microsoft.com/office/drawing/2010/main" val="0"/>
@@ -4895,10 +4168,10 @@
         </p:pic>
         <p:pic>
           <p:nvPicPr>
-            <p:cNvPr id="1038" name="Picture 14" descr="Bildergebnis fÃ¼r rocrail view">
+            <p:cNvPr id="70" name="Picture 14" descr="Bildergebnis fÃ¼r rocrail view">
               <a:extLst>
                 <a:ext uri="{FF2B5EF4-FFF2-40B4-BE49-F238E27FC236}">
-                  <a16:creationId xmlns:a16="http://schemas.microsoft.com/office/drawing/2014/main" id="{B862343A-E97A-4A8E-90A5-B43A6EFBCE2C}"/>
+                  <a16:creationId xmlns:a16="http://schemas.microsoft.com/office/drawing/2014/main" id="{7EB8A85D-7189-44E5-B66C-60A4F490C3E7}"/>
                 </a:ext>
               </a:extLst>
             </p:cNvPr>
@@ -4908,7 +4181,7 @@
             <p:nvPr/>
           </p:nvPicPr>
           <p:blipFill>
-            <a:blip r:embed="rId7">
+            <a:blip r:embed="rId6">
               <a:extLst>
                 <a:ext uri="{28A0092B-C50C-407E-A947-70E740481C1C}">
                   <a14:useLocalDpi xmlns:a14="http://schemas.microsoft.com/office/drawing/2010/main" val="0"/>
@@ -4942,10 +4215,10 @@
         </p:pic>
         <p:sp>
           <p:nvSpPr>
-            <p:cNvPr id="89" name="TextBox 88">
+            <p:cNvPr id="71" name="TextBox 70">
               <a:extLst>
                 <a:ext uri="{FF2B5EF4-FFF2-40B4-BE49-F238E27FC236}">
-                  <a16:creationId xmlns:a16="http://schemas.microsoft.com/office/drawing/2014/main" id="{4D19BEE6-7233-41B2-B258-9BDF2F034B3F}"/>
+                  <a16:creationId xmlns:a16="http://schemas.microsoft.com/office/drawing/2014/main" id="{9954715C-FC09-4EF1-B199-DE6F05C4AECC}"/>
                 </a:ext>
               </a:extLst>
             </p:cNvPr>
@@ -4996,24 +4269,24 @@
       </p:grpSp>
       <p:cxnSp>
         <p:nvCxnSpPr>
-          <p:cNvPr id="93" name="Straight Connector 92">
+          <p:cNvPr id="72" name="Straight Connector 71">
             <a:extLst>
               <a:ext uri="{FF2B5EF4-FFF2-40B4-BE49-F238E27FC236}">
-                <a16:creationId xmlns:a16="http://schemas.microsoft.com/office/drawing/2014/main" id="{55AD7A43-5393-48ED-853F-13CE6E1C9C8D}"/>
+                <a16:creationId xmlns:a16="http://schemas.microsoft.com/office/drawing/2014/main" id="{1C7065F0-8C74-4186-8C73-D6EF3403E32F}"/>
               </a:ext>
             </a:extLst>
           </p:cNvPr>
           <p:cNvCxnSpPr>
             <a:cxnSpLocks/>
-            <a:stCxn id="1036" idx="2"/>
-            <a:endCxn id="1026" idx="1"/>
+            <a:stCxn id="69" idx="2"/>
+            <a:endCxn id="64" idx="1"/>
           </p:cNvCxnSpPr>
           <p:nvPr/>
         </p:nvCxnSpPr>
         <p:spPr>
           <a:xfrm>
-            <a:off x="1152049" y="1470149"/>
-            <a:ext cx="796737" cy="991256"/>
+            <a:off x="885344" y="1470150"/>
+            <a:ext cx="1271521" cy="208745"/>
           </a:xfrm>
           <a:prstGeom prst="line">
             <a:avLst/>
@@ -5045,10 +4318,10 @@
       </p:cxnSp>
       <p:sp>
         <p:nvSpPr>
-          <p:cNvPr id="103" name="Rectangle: Rounded Corners 102">
+          <p:cNvPr id="73" name="Rectangle: Rounded Corners 72">
             <a:extLst>
               <a:ext uri="{FF2B5EF4-FFF2-40B4-BE49-F238E27FC236}">
-                <a16:creationId xmlns:a16="http://schemas.microsoft.com/office/drawing/2014/main" id="{22D8A4AD-3BF4-4E25-A56F-8826FCD94348}"/>
+                <a16:creationId xmlns:a16="http://schemas.microsoft.com/office/drawing/2014/main" id="{9E1ED5D8-485F-4E28-A9DD-F7CF1204692B}"/>
               </a:ext>
             </a:extLst>
           </p:cNvPr>
@@ -5057,7 +4330,7 @@
         </p:nvSpPr>
         <p:spPr>
           <a:xfrm>
-            <a:off x="7388257" y="3088168"/>
+            <a:off x="7657882" y="2217260"/>
             <a:ext cx="967496" cy="361951"/>
           </a:xfrm>
           <a:prstGeom prst="roundRect">
@@ -5100,24 +4373,24 @@
       </p:sp>
       <p:cxnSp>
         <p:nvCxnSpPr>
-          <p:cNvPr id="105" name="Straight Arrow Connector 104">
+          <p:cNvPr id="74" name="Straight Arrow Connector 73">
             <a:extLst>
               <a:ext uri="{FF2B5EF4-FFF2-40B4-BE49-F238E27FC236}">
-                <a16:creationId xmlns:a16="http://schemas.microsoft.com/office/drawing/2014/main" id="{2DDE5DE3-4607-4FE8-BE27-D79C6CBA70CA}"/>
+                <a16:creationId xmlns:a16="http://schemas.microsoft.com/office/drawing/2014/main" id="{6C3D0001-77AF-4707-90EE-81AC27E86CB5}"/>
               </a:ext>
             </a:extLst>
           </p:cNvPr>
           <p:cNvCxnSpPr>
             <a:cxnSpLocks/>
-            <a:stCxn id="103" idx="2"/>
-            <a:endCxn id="60" idx="0"/>
+            <a:stCxn id="73" idx="2"/>
+            <a:endCxn id="104" idx="0"/>
           </p:cNvCxnSpPr>
           <p:nvPr/>
         </p:nvCxnSpPr>
         <p:spPr>
           <a:xfrm flipH="1">
-            <a:off x="7872004" y="3450119"/>
-            <a:ext cx="1" cy="909367"/>
+            <a:off x="8141630" y="2579210"/>
+            <a:ext cx="1" cy="1279116"/>
           </a:xfrm>
           <a:prstGeom prst="straightConnector1">
             <a:avLst/>
@@ -5151,10 +4424,10 @@
       </p:cxnSp>
       <p:pic>
         <p:nvPicPr>
-          <p:cNvPr id="1040" name="Picture 16" descr="https://www.modelleisenbahn-cms.de/images/product_images/popup_images/83331.jpg">
+          <p:cNvPr id="75" name="Picture 16" descr="https://www.modelleisenbahn-cms.de/images/product_images/popup_images/83331.jpg">
             <a:extLst>
               <a:ext uri="{FF2B5EF4-FFF2-40B4-BE49-F238E27FC236}">
-                <a16:creationId xmlns:a16="http://schemas.microsoft.com/office/drawing/2014/main" id="{7808FF14-6642-43E6-8189-72B60BB7E2F8}"/>
+                <a16:creationId xmlns:a16="http://schemas.microsoft.com/office/drawing/2014/main" id="{0BA49E9C-1988-46A8-B57B-9D8B7AD8D90B}"/>
               </a:ext>
             </a:extLst>
           </p:cNvPr>
@@ -5164,7 +4437,7 @@
           <p:nvPr/>
         </p:nvPicPr>
         <p:blipFill rotWithShape="1">
-          <a:blip r:embed="rId8">
+          <a:blip r:embed="rId7">
             <a:extLst>
               <a:ext uri="{28A0092B-C50C-407E-A947-70E740481C1C}">
                 <a14:useLocalDpi xmlns:a14="http://schemas.microsoft.com/office/drawing/2010/main" val="0"/>
@@ -5176,7 +4449,7 @@
         </p:blipFill>
         <p:spPr bwMode="auto">
           <a:xfrm>
-            <a:off x="1713147" y="5360296"/>
+            <a:off x="1921227" y="5034984"/>
             <a:ext cx="1127875" cy="269127"/>
           </a:xfrm>
           <a:prstGeom prst="rect">
@@ -5196,10 +4469,10 @@
       </p:pic>
       <p:sp>
         <p:nvSpPr>
-          <p:cNvPr id="113" name="Rectangle: Rounded Corners 112">
+          <p:cNvPr id="76" name="Rectangle: Rounded Corners 75">
             <a:extLst>
               <a:ext uri="{FF2B5EF4-FFF2-40B4-BE49-F238E27FC236}">
-                <a16:creationId xmlns:a16="http://schemas.microsoft.com/office/drawing/2014/main" id="{1EFF1075-63F8-418A-9E9E-A32755D1FF1A}"/>
+                <a16:creationId xmlns:a16="http://schemas.microsoft.com/office/drawing/2014/main" id="{AF43DC8C-5155-486B-A7D0-68F4178188B6}"/>
               </a:ext>
             </a:extLst>
           </p:cNvPr>
@@ -5208,7 +4481,7 @@
         </p:nvSpPr>
         <p:spPr>
           <a:xfrm>
-            <a:off x="1484584" y="5320921"/>
+            <a:off x="1692664" y="4995608"/>
             <a:ext cx="1665111" cy="352658"/>
           </a:xfrm>
           <a:prstGeom prst="roundRect">
@@ -5248,10 +4521,10 @@
       </p:sp>
       <p:sp>
         <p:nvSpPr>
-          <p:cNvPr id="115" name="Rectangle: Rounded Corners 114">
+          <p:cNvPr id="77" name="Rectangle: Rounded Corners 76">
             <a:extLst>
               <a:ext uri="{FF2B5EF4-FFF2-40B4-BE49-F238E27FC236}">
-                <a16:creationId xmlns:a16="http://schemas.microsoft.com/office/drawing/2014/main" id="{CA750C48-86DB-4592-825F-9BD1C78F6F3F}"/>
+                <a16:creationId xmlns:a16="http://schemas.microsoft.com/office/drawing/2014/main" id="{4A666412-9733-412A-A282-9862CAC8FDC2}"/>
               </a:ext>
             </a:extLst>
           </p:cNvPr>
@@ -5260,8 +4533,8 @@
         </p:nvSpPr>
         <p:spPr>
           <a:xfrm>
-            <a:off x="1480766" y="5805749"/>
-            <a:ext cx="1665111" cy="553106"/>
+            <a:off x="7303720" y="5576480"/>
+            <a:ext cx="1665111" cy="819351"/>
           </a:xfrm>
           <a:prstGeom prst="roundRect">
             <a:avLst/>
@@ -5306,28 +4579,42 @@
               <a:t>Gleisbesetztmeldung</a:t>
             </a:r>
           </a:p>
+          <a:p>
+            <a:pPr algn="ctr"/>
+            <a:r>
+              <a:rPr lang="de-DE" sz="1200" b="1" dirty="0">
+                <a:solidFill>
+                  <a:schemeClr val="tx1">
+                    <a:lumMod val="50000"/>
+                    <a:lumOff val="50000"/>
+                  </a:schemeClr>
+                </a:solidFill>
+              </a:rPr>
+              <a:t>Hallsensor</a:t>
+            </a:r>
+          </a:p>
         </p:txBody>
       </p:sp>
       <p:cxnSp>
         <p:nvCxnSpPr>
-          <p:cNvPr id="116" name="Straight Arrow Connector 115">
+          <p:cNvPr id="78" name="Straight Arrow Connector 77">
             <a:extLst>
               <a:ext uri="{FF2B5EF4-FFF2-40B4-BE49-F238E27FC236}">
-                <a16:creationId xmlns:a16="http://schemas.microsoft.com/office/drawing/2014/main" id="{AC9C7DF3-1055-44DD-9D4E-7987DBC0A1E8}"/>
+                <a16:creationId xmlns:a16="http://schemas.microsoft.com/office/drawing/2014/main" id="{B55EA4C3-33B9-4F72-8FE9-030FA110668F}"/>
               </a:ext>
             </a:extLst>
           </p:cNvPr>
           <p:cNvCxnSpPr>
             <a:cxnSpLocks/>
-            <a:stCxn id="129" idx="1"/>
-            <a:endCxn id="113" idx="3"/>
+            <a:stCxn id="82" idx="1"/>
+            <a:endCxn id="76" idx="3"/>
           </p:cNvCxnSpPr>
           <p:nvPr/>
         </p:nvCxnSpPr>
         <p:spPr>
           <a:xfrm flipH="1" flipV="1">
-            <a:off x="3149695" y="5497250"/>
-            <a:ext cx="353265" cy="2888"/>
+            <a:off x="3357775" y="5171937"/>
+            <a:ext cx="274135" cy="2888"/>
           </a:xfrm>
           <a:prstGeom prst="straightConnector1">
             <a:avLst/>
@@ -5361,24 +4648,24 @@
       </p:cxnSp>
       <p:cxnSp>
         <p:nvCxnSpPr>
-          <p:cNvPr id="117" name="Straight Arrow Connector 116">
+          <p:cNvPr id="79" name="Straight Arrow Connector 78">
             <a:extLst>
               <a:ext uri="{FF2B5EF4-FFF2-40B4-BE49-F238E27FC236}">
-                <a16:creationId xmlns:a16="http://schemas.microsoft.com/office/drawing/2014/main" id="{CFBB105E-F852-48D7-80DF-D7DFC3CB74AF}"/>
+                <a16:creationId xmlns:a16="http://schemas.microsoft.com/office/drawing/2014/main" id="{89A4BA02-4219-421A-BBB1-79A4FFCBA116}"/>
               </a:ext>
             </a:extLst>
           </p:cNvPr>
           <p:cNvCxnSpPr>
             <a:cxnSpLocks/>
-            <a:stCxn id="115" idx="3"/>
-            <a:endCxn id="122" idx="1"/>
+            <a:stCxn id="77" idx="0"/>
+            <a:endCxn id="80" idx="2"/>
           </p:cNvCxnSpPr>
           <p:nvPr/>
         </p:nvCxnSpPr>
         <p:spPr>
-          <a:xfrm>
-            <a:off x="3145877" y="6082302"/>
-            <a:ext cx="4233821" cy="0"/>
+          <a:xfrm flipV="1">
+            <a:off x="8136275" y="4911847"/>
+            <a:ext cx="0" cy="664633"/>
           </a:xfrm>
           <a:prstGeom prst="straightConnector1">
             <a:avLst/>
@@ -5412,10 +4699,10 @@
       </p:cxnSp>
       <p:sp>
         <p:nvSpPr>
-          <p:cNvPr id="122" name="Rectangle: Rounded Corners 121">
+          <p:cNvPr id="80" name="Rectangle: Rounded Corners 79">
             <a:extLst>
               <a:ext uri="{FF2B5EF4-FFF2-40B4-BE49-F238E27FC236}">
-                <a16:creationId xmlns:a16="http://schemas.microsoft.com/office/drawing/2014/main" id="{B0A82005-8F7B-404F-9CDD-3A84E3367336}"/>
+                <a16:creationId xmlns:a16="http://schemas.microsoft.com/office/drawing/2014/main" id="{E58DBE07-C8A6-4244-BF0C-E466AB5ABACB}"/>
               </a:ext>
             </a:extLst>
           </p:cNvPr>
@@ -5424,7 +4711,7 @@
         </p:nvSpPr>
         <p:spPr>
           <a:xfrm>
-            <a:off x="7379698" y="5901326"/>
+            <a:off x="7648248" y="4549896"/>
             <a:ext cx="976054" cy="361951"/>
           </a:xfrm>
           <a:prstGeom prst="roundRect">
@@ -5467,10 +4754,10 @@
       </p:sp>
       <p:sp>
         <p:nvSpPr>
-          <p:cNvPr id="123" name="Rectangle: Rounded Corners 122">
+          <p:cNvPr id="81" name="Rectangle: Rounded Corners 80">
             <a:extLst>
               <a:ext uri="{FF2B5EF4-FFF2-40B4-BE49-F238E27FC236}">
-                <a16:creationId xmlns:a16="http://schemas.microsoft.com/office/drawing/2014/main" id="{53CABF5B-C744-46E7-9EFB-1B94AA18E8DA}"/>
+                <a16:creationId xmlns:a16="http://schemas.microsoft.com/office/drawing/2014/main" id="{F1C62CB5-96CC-4538-A179-CAAE2E9AA0FE}"/>
               </a:ext>
             </a:extLst>
           </p:cNvPr>
@@ -5479,7 +4766,7 @@
         </p:nvSpPr>
         <p:spPr>
           <a:xfrm>
-            <a:off x="4988655" y="5320921"/>
+            <a:off x="5697897" y="4995609"/>
             <a:ext cx="976054" cy="361951"/>
           </a:xfrm>
           <a:prstGeom prst="roundRect">
@@ -5522,10 +4809,10 @@
       </p:sp>
       <p:sp>
         <p:nvSpPr>
-          <p:cNvPr id="129" name="Rectangle: Rounded Corners 128">
+          <p:cNvPr id="82" name="Rectangle: Rounded Corners 81">
             <a:extLst>
               <a:ext uri="{FF2B5EF4-FFF2-40B4-BE49-F238E27FC236}">
-                <a16:creationId xmlns:a16="http://schemas.microsoft.com/office/drawing/2014/main" id="{B9C7F1DB-B97B-4392-B6B9-1A8D70175BD3}"/>
+                <a16:creationId xmlns:a16="http://schemas.microsoft.com/office/drawing/2014/main" id="{5BC112BE-01A1-47E8-AD9D-ACC6B275E345}"/>
               </a:ext>
             </a:extLst>
           </p:cNvPr>
@@ -5534,7 +4821,7 @@
         </p:nvSpPr>
         <p:spPr>
           <a:xfrm>
-            <a:off x="3502960" y="5319162"/>
+            <a:off x="3631910" y="4993850"/>
             <a:ext cx="1132429" cy="361951"/>
           </a:xfrm>
           <a:prstGeom prst="roundRect">
@@ -5581,24 +4868,24 @@
       </p:sp>
       <p:cxnSp>
         <p:nvCxnSpPr>
-          <p:cNvPr id="133" name="Straight Arrow Connector 132">
+          <p:cNvPr id="83" name="Straight Arrow Connector 82">
             <a:extLst>
               <a:ext uri="{FF2B5EF4-FFF2-40B4-BE49-F238E27FC236}">
-                <a16:creationId xmlns:a16="http://schemas.microsoft.com/office/drawing/2014/main" id="{79675A2B-D0BF-40EE-A381-22409206FF7E}"/>
+                <a16:creationId xmlns:a16="http://schemas.microsoft.com/office/drawing/2014/main" id="{A3832664-631A-4C7B-A8F5-3E369A757E56}"/>
               </a:ext>
             </a:extLst>
           </p:cNvPr>
           <p:cNvCxnSpPr>
             <a:cxnSpLocks/>
-            <a:stCxn id="123" idx="1"/>
-            <a:endCxn id="129" idx="3"/>
+            <a:stCxn id="81" idx="1"/>
+            <a:endCxn id="82" idx="3"/>
           </p:cNvCxnSpPr>
           <p:nvPr/>
         </p:nvCxnSpPr>
         <p:spPr>
           <a:xfrm flipH="1" flipV="1">
-            <a:off x="4635389" y="5500138"/>
-            <a:ext cx="353266" cy="1759"/>
+            <a:off x="4764339" y="5174826"/>
+            <a:ext cx="933559" cy="1759"/>
           </a:xfrm>
           <a:prstGeom prst="straightConnector1">
             <a:avLst/>
@@ -5632,10 +4919,10 @@
       </p:cxnSp>
       <p:sp>
         <p:nvSpPr>
-          <p:cNvPr id="147" name="Rectangle: Rounded Corners 146">
+          <p:cNvPr id="84" name="Rectangle: Rounded Corners 83">
             <a:extLst>
               <a:ext uri="{FF2B5EF4-FFF2-40B4-BE49-F238E27FC236}">
-                <a16:creationId xmlns:a16="http://schemas.microsoft.com/office/drawing/2014/main" id="{8633036C-360A-49A2-BEA4-6F0DF7C072A3}"/>
+                <a16:creationId xmlns:a16="http://schemas.microsoft.com/office/drawing/2014/main" id="{CD92A25B-4E89-4581-B19B-A8288DE39BB6}"/>
               </a:ext>
             </a:extLst>
           </p:cNvPr>
@@ -5644,7 +4931,7 @@
         </p:nvSpPr>
         <p:spPr>
           <a:xfrm>
-            <a:off x="4988655" y="4084474"/>
+            <a:off x="5697897" y="3855876"/>
             <a:ext cx="976054" cy="361951"/>
           </a:xfrm>
           <a:prstGeom prst="roundRect">
@@ -5687,27 +4974,29 @@
       </p:sp>
       <p:cxnSp>
         <p:nvCxnSpPr>
-          <p:cNvPr id="7" name="Connector: Elbow 6">
+          <p:cNvPr id="85" name="Connector: Elbow 84">
             <a:extLst>
               <a:ext uri="{FF2B5EF4-FFF2-40B4-BE49-F238E27FC236}">
-                <a16:creationId xmlns:a16="http://schemas.microsoft.com/office/drawing/2014/main" id="{2F312F9A-1E61-48DE-8FFC-276B374911D9}"/>
+                <a16:creationId xmlns:a16="http://schemas.microsoft.com/office/drawing/2014/main" id="{FE5684D9-89E8-483D-821C-DE830FCC1D2D}"/>
               </a:ext>
             </a:extLst>
           </p:cNvPr>
           <p:cNvCxnSpPr>
             <a:cxnSpLocks/>
-            <a:stCxn id="103" idx="1"/>
-            <a:endCxn id="147" idx="0"/>
+            <a:stCxn id="104" idx="1"/>
+            <a:endCxn id="84" idx="3"/>
           </p:cNvCxnSpPr>
           <p:nvPr/>
         </p:nvCxnSpPr>
         <p:spPr>
-          <a:xfrm rot="10800000" flipV="1">
-            <a:off x="5476683" y="3269144"/>
-            <a:ext cx="1911575" cy="815330"/>
+          <a:xfrm rot="10800000">
+            <a:off x="6673951" y="4036853"/>
+            <a:ext cx="983930" cy="2451"/>
           </a:xfrm>
-          <a:prstGeom prst="bentConnector2">
-            <a:avLst/>
+          <a:prstGeom prst="bentConnector3">
+            <a:avLst>
+              <a:gd name="adj1" fmla="val 50000"/>
+            </a:avLst>
           </a:prstGeom>
           <a:ln w="19050" cap="rnd" cmpd="sng">
             <a:solidFill>
@@ -5738,24 +5027,24 @@
       </p:cxnSp>
       <p:cxnSp>
         <p:nvCxnSpPr>
-          <p:cNvPr id="50" name="Straight Arrow Connector 49">
+          <p:cNvPr id="86" name="Straight Arrow Connector 85">
             <a:extLst>
               <a:ext uri="{FF2B5EF4-FFF2-40B4-BE49-F238E27FC236}">
-                <a16:creationId xmlns:a16="http://schemas.microsoft.com/office/drawing/2014/main" id="{FB38C61A-5046-4993-909A-960B96FE376F}"/>
+                <a16:creationId xmlns:a16="http://schemas.microsoft.com/office/drawing/2014/main" id="{3ED29071-EBDC-4048-B7F9-149073B0B221}"/>
               </a:ext>
             </a:extLst>
           </p:cNvPr>
           <p:cNvCxnSpPr>
             <a:cxnSpLocks/>
-            <a:stCxn id="147" idx="2"/>
-            <a:endCxn id="123" idx="0"/>
+            <a:stCxn id="84" idx="2"/>
+            <a:endCxn id="81" idx="0"/>
           </p:cNvCxnSpPr>
           <p:nvPr/>
         </p:nvCxnSpPr>
         <p:spPr>
           <a:xfrm>
-            <a:off x="5476682" y="4446425"/>
-            <a:ext cx="0" cy="874496"/>
+            <a:off x="6185924" y="4217826"/>
+            <a:ext cx="0" cy="777782"/>
           </a:xfrm>
           <a:prstGeom prst="straightConnector1">
             <a:avLst/>
@@ -5789,10 +5078,10 @@
       </p:cxnSp>
       <p:pic>
         <p:nvPicPr>
-          <p:cNvPr id="54" name="Picture 8" descr="Ãhnliches Foto">
+          <p:cNvPr id="87" name="Picture 8" descr="Ãhnliches Foto">
             <a:extLst>
               <a:ext uri="{FF2B5EF4-FFF2-40B4-BE49-F238E27FC236}">
-                <a16:creationId xmlns:a16="http://schemas.microsoft.com/office/drawing/2014/main" id="{9A0AD2DB-5656-47B9-B29D-88D79964F50A}"/>
+                <a16:creationId xmlns:a16="http://schemas.microsoft.com/office/drawing/2014/main" id="{0C2FF19B-1D49-4257-A203-FD2364AE8733}"/>
               </a:ext>
             </a:extLst>
           </p:cNvPr>
@@ -5802,7 +5091,7 @@
           <p:nvPr/>
         </p:nvPicPr>
         <p:blipFill rotWithShape="1">
-          <a:blip r:embed="rId4">
+          <a:blip r:embed="rId3">
             <a:extLst>
               <a:ext uri="{28A0092B-C50C-407E-A947-70E740481C1C}">
                 <a14:useLocalDpi xmlns:a14="http://schemas.microsoft.com/office/drawing/2010/main" val="0"/>
@@ -5814,7 +5103,7 @@
         </p:blipFill>
         <p:spPr bwMode="auto">
           <a:xfrm>
-            <a:off x="1565747" y="6057698"/>
+            <a:off x="7403543" y="6040267"/>
             <a:ext cx="1465462" cy="261258"/>
           </a:xfrm>
           <a:prstGeom prst="rect">
@@ -5834,10 +5123,10 @@
       </p:pic>
       <p:grpSp>
         <p:nvGrpSpPr>
-          <p:cNvPr id="23" name="Group 22">
+          <p:cNvPr id="88" name="Group 87">
             <a:extLst>
               <a:ext uri="{FF2B5EF4-FFF2-40B4-BE49-F238E27FC236}">
-                <a16:creationId xmlns:a16="http://schemas.microsoft.com/office/drawing/2014/main" id="{AC808523-9155-49CF-8B20-33CBDA9598F1}"/>
+                <a16:creationId xmlns:a16="http://schemas.microsoft.com/office/drawing/2014/main" id="{92B7DF22-16EC-4FB2-BAB8-D5E878E2768E}"/>
               </a:ext>
             </a:extLst>
           </p:cNvPr>
@@ -5846,7 +5135,7 @@
         </p:nvGrpSpPr>
         <p:grpSpPr>
           <a:xfrm>
-            <a:off x="7499663" y="956674"/>
+            <a:off x="821602" y="2285654"/>
             <a:ext cx="736123" cy="698018"/>
             <a:chOff x="8936383" y="1729011"/>
             <a:chExt cx="736123" cy="698018"/>
@@ -5854,10 +5143,10 @@
         </p:grpSpPr>
         <p:sp>
           <p:nvSpPr>
-            <p:cNvPr id="59" name="Rectangle: Rounded Corners 58">
+            <p:cNvPr id="89" name="Rectangle: Rounded Corners 88">
               <a:extLst>
                 <a:ext uri="{FF2B5EF4-FFF2-40B4-BE49-F238E27FC236}">
-                  <a16:creationId xmlns:a16="http://schemas.microsoft.com/office/drawing/2014/main" id="{363F3739-8027-4DFE-8DD9-72129ED884DE}"/>
+                  <a16:creationId xmlns:a16="http://schemas.microsoft.com/office/drawing/2014/main" id="{87DE23ED-B78B-4EF2-BA47-5B5FD2E29952}"/>
                 </a:ext>
               </a:extLst>
             </p:cNvPr>
@@ -5909,10 +5198,10 @@
         </p:sp>
         <p:pic>
           <p:nvPicPr>
-            <p:cNvPr id="22" name="Picture 2" descr="Bildergebnis fÃ¼r strom">
+            <p:cNvPr id="90" name="Picture 2" descr="Bildergebnis fÃ¼r strom">
               <a:extLst>
                 <a:ext uri="{FF2B5EF4-FFF2-40B4-BE49-F238E27FC236}">
-                  <a16:creationId xmlns:a16="http://schemas.microsoft.com/office/drawing/2014/main" id="{81689BF5-F7FD-483E-BBA8-022A287E6169}"/>
+                  <a16:creationId xmlns:a16="http://schemas.microsoft.com/office/drawing/2014/main" id="{6D239137-5E2F-4A7F-B65F-C445235C472B}"/>
                 </a:ext>
               </a:extLst>
             </p:cNvPr>
@@ -5922,7 +5211,7 @@
             <p:nvPr/>
           </p:nvPicPr>
           <p:blipFill>
-            <a:blip r:embed="rId9">
+            <a:blip r:embed="rId8">
               <a:extLst>
                 <a:ext uri="{28A0092B-C50C-407E-A947-70E740481C1C}">
                   <a14:useLocalDpi xmlns:a14="http://schemas.microsoft.com/office/drawing/2010/main" val="0"/>
@@ -5957,10 +5246,10 @@
       </p:grpSp>
       <p:grpSp>
         <p:nvGrpSpPr>
-          <p:cNvPr id="64" name="Group 63">
+          <p:cNvPr id="91" name="Group 90">
             <a:extLst>
               <a:ext uri="{FF2B5EF4-FFF2-40B4-BE49-F238E27FC236}">
-                <a16:creationId xmlns:a16="http://schemas.microsoft.com/office/drawing/2014/main" id="{3B601909-827D-4510-B050-D9DDF734BB6B}"/>
+                <a16:creationId xmlns:a16="http://schemas.microsoft.com/office/drawing/2014/main" id="{7CF82CBF-94B1-4E3C-96A9-806187BAB8B1}"/>
               </a:ext>
             </a:extLst>
           </p:cNvPr>
@@ -5969,7 +5258,7 @@
         </p:nvGrpSpPr>
         <p:grpSpPr>
           <a:xfrm>
-            <a:off x="613523" y="3472612"/>
+            <a:off x="3382691" y="398711"/>
             <a:ext cx="736123" cy="698018"/>
             <a:chOff x="8936383" y="1729011"/>
             <a:chExt cx="736123" cy="698018"/>
@@ -5977,10 +5266,10 @@
         </p:grpSpPr>
         <p:sp>
           <p:nvSpPr>
-            <p:cNvPr id="65" name="Rectangle: Rounded Corners 64">
+            <p:cNvPr id="92" name="Rectangle: Rounded Corners 91">
               <a:extLst>
                 <a:ext uri="{FF2B5EF4-FFF2-40B4-BE49-F238E27FC236}">
-                  <a16:creationId xmlns:a16="http://schemas.microsoft.com/office/drawing/2014/main" id="{882A7434-69CD-4B0A-8FE0-58C4CC2BA8DA}"/>
+                  <a16:creationId xmlns:a16="http://schemas.microsoft.com/office/drawing/2014/main" id="{1B9242CE-4B1C-443F-910B-776C13D1CC2A}"/>
                 </a:ext>
               </a:extLst>
             </p:cNvPr>
@@ -6032,10 +5321,10 @@
         </p:sp>
         <p:pic>
           <p:nvPicPr>
-            <p:cNvPr id="67" name="Picture 2" descr="Bildergebnis fÃ¼r strom">
+            <p:cNvPr id="93" name="Picture 2" descr="Bildergebnis fÃ¼r strom">
               <a:extLst>
                 <a:ext uri="{FF2B5EF4-FFF2-40B4-BE49-F238E27FC236}">
-                  <a16:creationId xmlns:a16="http://schemas.microsoft.com/office/drawing/2014/main" id="{7F65B7E2-8FFB-4635-83E1-9AF2F671BEB3}"/>
+                  <a16:creationId xmlns:a16="http://schemas.microsoft.com/office/drawing/2014/main" id="{5BA0E207-49B7-40B8-899B-56AC98E0B353}"/>
                 </a:ext>
               </a:extLst>
             </p:cNvPr>
@@ -6045,7 +5334,7 @@
             <p:nvPr/>
           </p:nvPicPr>
           <p:blipFill>
-            <a:blip r:embed="rId9">
+            <a:blip r:embed="rId8">
               <a:extLst>
                 <a:ext uri="{28A0092B-C50C-407E-A947-70E740481C1C}">
                   <a14:useLocalDpi xmlns:a14="http://schemas.microsoft.com/office/drawing/2010/main" val="0"/>
@@ -6080,10 +5369,10 @@
       </p:grpSp>
       <p:grpSp>
         <p:nvGrpSpPr>
-          <p:cNvPr id="71" name="Group 70">
+          <p:cNvPr id="94" name="Group 93">
             <a:extLst>
               <a:ext uri="{FF2B5EF4-FFF2-40B4-BE49-F238E27FC236}">
-                <a16:creationId xmlns:a16="http://schemas.microsoft.com/office/drawing/2014/main" id="{CBCE6D92-1FA3-4B25-A378-0EC9F034AFC4}"/>
+                <a16:creationId xmlns:a16="http://schemas.microsoft.com/office/drawing/2014/main" id="{BFE513B8-133E-41F4-BB95-E2FA4202292F}"/>
               </a:ext>
             </a:extLst>
           </p:cNvPr>
@@ -6092,130 +5381,7 @@
         </p:nvGrpSpPr>
         <p:grpSpPr>
           <a:xfrm>
-            <a:off x="3174611" y="1181222"/>
-            <a:ext cx="736123" cy="698018"/>
-            <a:chOff x="8936383" y="1729011"/>
-            <a:chExt cx="736123" cy="698018"/>
-          </a:xfrm>
-        </p:grpSpPr>
-        <p:sp>
-          <p:nvSpPr>
-            <p:cNvPr id="73" name="Rectangle: Rounded Corners 72">
-              <a:extLst>
-                <a:ext uri="{FF2B5EF4-FFF2-40B4-BE49-F238E27FC236}">
-                  <a16:creationId xmlns:a16="http://schemas.microsoft.com/office/drawing/2014/main" id="{99DB6192-4170-4C85-8744-9D18EA668665}"/>
-                </a:ext>
-              </a:extLst>
-            </p:cNvPr>
-            <p:cNvSpPr/>
-            <p:nvPr/>
-          </p:nvSpPr>
-          <p:spPr>
-            <a:xfrm>
-              <a:off x="8936383" y="1729011"/>
-              <a:ext cx="736123" cy="698018"/>
-            </a:xfrm>
-            <a:prstGeom prst="roundRect">
-              <a:avLst/>
-            </a:prstGeom>
-            <a:ln>
-              <a:solidFill>
-                <a:schemeClr val="bg1">
-                  <a:lumMod val="50000"/>
-                </a:schemeClr>
-              </a:solidFill>
-            </a:ln>
-          </p:spPr>
-          <p:style>
-            <a:lnRef idx="3">
-              <a:schemeClr val="lt1"/>
-            </a:lnRef>
-            <a:fillRef idx="1">
-              <a:schemeClr val="accent3"/>
-            </a:fillRef>
-            <a:effectRef idx="1">
-              <a:schemeClr val="accent3"/>
-            </a:effectRef>
-            <a:fontRef idx="minor">
-              <a:schemeClr val="lt1"/>
-            </a:fontRef>
-          </p:style>
-          <p:txBody>
-            <a:bodyPr rtlCol="0" anchor="b"/>
-            <a:lstStyle/>
-            <a:p>
-              <a:pPr algn="ctr"/>
-              <a:r>
-                <a:rPr lang="de-DE" sz="1200" dirty="0"/>
-                <a:t>Netzteil</a:t>
-              </a:r>
-              <a:endParaRPr lang="de-DE" sz="1200" b="1" dirty="0"/>
-            </a:p>
-          </p:txBody>
-        </p:sp>
-        <p:pic>
-          <p:nvPicPr>
-            <p:cNvPr id="74" name="Picture 2" descr="Bildergebnis fÃ¼r strom">
-              <a:extLst>
-                <a:ext uri="{FF2B5EF4-FFF2-40B4-BE49-F238E27FC236}">
-                  <a16:creationId xmlns:a16="http://schemas.microsoft.com/office/drawing/2014/main" id="{55829B32-E458-44DA-B9A4-A072D13F760C}"/>
-                </a:ext>
-              </a:extLst>
-            </p:cNvPr>
-            <p:cNvPicPr>
-              <a:picLocks noChangeAspect="1" noChangeArrowheads="1"/>
-            </p:cNvPicPr>
-            <p:nvPr/>
-          </p:nvPicPr>
-          <p:blipFill>
-            <a:blip r:embed="rId9">
-              <a:extLst>
-                <a:ext uri="{28A0092B-C50C-407E-A947-70E740481C1C}">
-                  <a14:useLocalDpi xmlns:a14="http://schemas.microsoft.com/office/drawing/2010/main" val="0"/>
-                </a:ext>
-              </a:extLst>
-            </a:blip>
-            <a:srcRect/>
-            <a:stretch>
-              <a:fillRect/>
-            </a:stretch>
-          </p:blipFill>
-          <p:spPr bwMode="auto">
-            <a:xfrm>
-              <a:off x="9125869" y="1833451"/>
-              <a:ext cx="338627" cy="329832"/>
-            </a:xfrm>
-            <a:prstGeom prst="rect">
-              <a:avLst/>
-            </a:prstGeom>
-            <a:noFill/>
-            <a:extLst>
-              <a:ext uri="{909E8E84-426E-40DD-AFC4-6F175D3DCCD1}">
-                <a14:hiddenFill xmlns:a14="http://schemas.microsoft.com/office/drawing/2010/main">
-                  <a:solidFill>
-                    <a:srgbClr val="FFFFFF"/>
-                  </a:solidFill>
-                </a14:hiddenFill>
-              </a:ext>
-            </a:extLst>
-          </p:spPr>
-        </p:pic>
-      </p:grpSp>
-      <p:grpSp>
-        <p:nvGrpSpPr>
-          <p:cNvPr id="24" name="Group 23">
-            <a:extLst>
-              <a:ext uri="{FF2B5EF4-FFF2-40B4-BE49-F238E27FC236}">
-                <a16:creationId xmlns:a16="http://schemas.microsoft.com/office/drawing/2014/main" id="{F0D2B0D7-09D9-4249-8C51-E1CE4315561C}"/>
-              </a:ext>
-            </a:extLst>
-          </p:cNvPr>
-          <p:cNvGrpSpPr/>
-          <p:nvPr/>
-        </p:nvGrpSpPr>
-        <p:grpSpPr>
-          <a:xfrm>
-            <a:off x="3427324" y="3916440"/>
+            <a:off x="4136566" y="3687841"/>
             <a:ext cx="1258360" cy="698018"/>
             <a:chOff x="3489595" y="3906884"/>
             <a:chExt cx="1258360" cy="698018"/>
@@ -6223,10 +5389,10 @@
         </p:grpSpPr>
         <p:sp>
           <p:nvSpPr>
-            <p:cNvPr id="76" name="Rectangle: Rounded Corners 75">
+            <p:cNvPr id="95" name="Rectangle: Rounded Corners 94">
               <a:extLst>
                 <a:ext uri="{FF2B5EF4-FFF2-40B4-BE49-F238E27FC236}">
-                  <a16:creationId xmlns:a16="http://schemas.microsoft.com/office/drawing/2014/main" id="{F8B1C0C0-B67E-4CFF-8450-AA7931805FDA}"/>
+                  <a16:creationId xmlns:a16="http://schemas.microsoft.com/office/drawing/2014/main" id="{5B9056A4-E75A-4255-80CA-93B1C817AA87}"/>
                 </a:ext>
               </a:extLst>
             </p:cNvPr>
@@ -6285,10 +5451,10 @@
         </p:sp>
         <p:pic>
           <p:nvPicPr>
-            <p:cNvPr id="77" name="Picture 2" descr="Bildergebnis fÃ¼r strom">
+            <p:cNvPr id="96" name="Picture 2" descr="Bildergebnis fÃ¼r strom">
               <a:extLst>
                 <a:ext uri="{FF2B5EF4-FFF2-40B4-BE49-F238E27FC236}">
-                  <a16:creationId xmlns:a16="http://schemas.microsoft.com/office/drawing/2014/main" id="{968C1683-FEA2-42E9-AD14-ACDE04766D89}"/>
+                  <a16:creationId xmlns:a16="http://schemas.microsoft.com/office/drawing/2014/main" id="{B328B639-C9DD-4986-A6AC-34D20F17544F}"/>
                 </a:ext>
               </a:extLst>
             </p:cNvPr>
@@ -6298,7 +5464,7 @@
             <p:nvPr/>
           </p:nvPicPr>
           <p:blipFill>
-            <a:blip r:embed="rId9">
+            <a:blip r:embed="rId8">
               <a:extLst>
                 <a:ext uri="{28A0092B-C50C-407E-A947-70E740481C1C}">
                   <a14:useLocalDpi xmlns:a14="http://schemas.microsoft.com/office/drawing/2010/main" val="0"/>
@@ -6333,23 +5499,23 @@
       </p:grpSp>
       <p:cxnSp>
         <p:nvCxnSpPr>
-          <p:cNvPr id="79" name="Straight Arrow Connector 78">
+          <p:cNvPr id="97" name="Straight Arrow Connector 96">
             <a:extLst>
               <a:ext uri="{FF2B5EF4-FFF2-40B4-BE49-F238E27FC236}">
-                <a16:creationId xmlns:a16="http://schemas.microsoft.com/office/drawing/2014/main" id="{42E65DC0-28E6-4BD9-980D-C7A2613BF44E}"/>
+                <a16:creationId xmlns:a16="http://schemas.microsoft.com/office/drawing/2014/main" id="{0D933AAB-5A75-4654-B27E-E9774EAB54FA}"/>
               </a:ext>
             </a:extLst>
           </p:cNvPr>
           <p:cNvCxnSpPr>
             <a:cxnSpLocks/>
-            <a:stCxn id="147" idx="1"/>
-            <a:endCxn id="76" idx="3"/>
+            <a:stCxn id="84" idx="1"/>
+            <a:endCxn id="95" idx="3"/>
           </p:cNvCxnSpPr>
           <p:nvPr/>
         </p:nvCxnSpPr>
         <p:spPr>
           <a:xfrm flipH="1" flipV="1">
-            <a:off x="4685684" y="4265449"/>
+            <a:off x="5394927" y="4036851"/>
             <a:ext cx="302971" cy="1"/>
           </a:xfrm>
           <a:prstGeom prst="straightConnector1">
@@ -6384,75 +5550,24 @@
       </p:cxnSp>
       <p:cxnSp>
         <p:nvCxnSpPr>
-          <p:cNvPr id="80" name="Straight Arrow Connector 79">
+          <p:cNvPr id="98" name="Connector: Elbow 97">
             <a:extLst>
               <a:ext uri="{FF2B5EF4-FFF2-40B4-BE49-F238E27FC236}">
-                <a16:creationId xmlns:a16="http://schemas.microsoft.com/office/drawing/2014/main" id="{16750294-DF37-4EE6-B611-CF5DD86E41CA}"/>
+                <a16:creationId xmlns:a16="http://schemas.microsoft.com/office/drawing/2014/main" id="{E0384C96-13B9-4DB6-A119-C47D8064C256}"/>
               </a:ext>
             </a:extLst>
           </p:cNvPr>
           <p:cNvCxnSpPr>
             <a:cxnSpLocks/>
-            <a:stCxn id="59" idx="2"/>
-            <a:endCxn id="69" idx="0"/>
-          </p:cNvCxnSpPr>
-          <p:nvPr/>
-        </p:nvCxnSpPr>
-        <p:spPr>
-          <a:xfrm>
-            <a:off x="7867725" y="1654692"/>
-            <a:ext cx="4280" cy="171053"/>
-          </a:xfrm>
-          <a:prstGeom prst="straightConnector1">
-            <a:avLst/>
-          </a:prstGeom>
-          <a:ln w="19050" cap="rnd" cmpd="sng">
-            <a:solidFill>
-              <a:schemeClr val="tx1">
-                <a:lumMod val="50000"/>
-                <a:lumOff val="50000"/>
-              </a:schemeClr>
-            </a:solidFill>
-            <a:miter lim="800000"/>
-            <a:headEnd type="none" w="med" len="med"/>
-            <a:tailEnd type="none" w="med" len="med"/>
-          </a:ln>
-        </p:spPr>
-        <p:style>
-          <a:lnRef idx="1">
-            <a:schemeClr val="accent1"/>
-          </a:lnRef>
-          <a:fillRef idx="0">
-            <a:schemeClr val="accent1"/>
-          </a:fillRef>
-          <a:effectRef idx="0">
-            <a:schemeClr val="accent1"/>
-          </a:effectRef>
-          <a:fontRef idx="minor">
-            <a:schemeClr val="tx1"/>
-          </a:fontRef>
-        </p:style>
-      </p:cxnSp>
-      <p:cxnSp>
-        <p:nvCxnSpPr>
-          <p:cNvPr id="81" name="Connector: Elbow 80">
-            <a:extLst>
-              <a:ext uri="{FF2B5EF4-FFF2-40B4-BE49-F238E27FC236}">
-                <a16:creationId xmlns:a16="http://schemas.microsoft.com/office/drawing/2014/main" id="{203F1856-DA26-47D6-BF5A-BFE65A68CE37}"/>
-              </a:ext>
-            </a:extLst>
-          </p:cNvPr>
-          <p:cNvCxnSpPr>
-            <a:cxnSpLocks/>
-            <a:stCxn id="73" idx="1"/>
-            <a:endCxn id="78" idx="0"/>
+            <a:stCxn id="92" idx="1"/>
+            <a:endCxn id="64" idx="0"/>
           </p:cNvCxnSpPr>
           <p:nvPr/>
         </p:nvCxnSpPr>
         <p:spPr>
           <a:xfrm rot="10800000" flipV="1">
-            <a:off x="2317141" y="1530231"/>
-            <a:ext cx="857470" cy="538144"/>
+            <a:off x="2530990" y="747720"/>
+            <a:ext cx="851700" cy="557049"/>
           </a:xfrm>
           <a:prstGeom prst="bentConnector2">
             <a:avLst/>
@@ -6486,23 +5601,23 @@
       </p:cxnSp>
       <p:cxnSp>
         <p:nvCxnSpPr>
-          <p:cNvPr id="84" name="Straight Arrow Connector 83">
+          <p:cNvPr id="99" name="Straight Arrow Connector 98">
             <a:extLst>
               <a:ext uri="{FF2B5EF4-FFF2-40B4-BE49-F238E27FC236}">
-                <a16:creationId xmlns:a16="http://schemas.microsoft.com/office/drawing/2014/main" id="{9ABB9810-0FB2-4FC6-88E7-76B1E35F72DB}"/>
+                <a16:creationId xmlns:a16="http://schemas.microsoft.com/office/drawing/2014/main" id="{62B001C7-F62C-4F90-AE21-7EEFD19E89D7}"/>
               </a:ext>
             </a:extLst>
           </p:cNvPr>
           <p:cNvCxnSpPr>
             <a:cxnSpLocks/>
-            <a:stCxn id="65" idx="3"/>
-            <a:endCxn id="62" idx="1"/>
+            <a:stCxn id="89" idx="3"/>
+            <a:endCxn id="56" idx="1"/>
           </p:cNvCxnSpPr>
           <p:nvPr/>
         </p:nvCxnSpPr>
         <p:spPr>
           <a:xfrm>
-            <a:off x="1349646" y="3821621"/>
+            <a:off x="1557725" y="2634664"/>
             <a:ext cx="417664" cy="1"/>
           </a:xfrm>
           <a:prstGeom prst="straightConnector1">
@@ -6537,10 +5652,10 @@
       </p:cxnSp>
       <p:grpSp>
         <p:nvGrpSpPr>
-          <p:cNvPr id="53" name="Group 52">
+          <p:cNvPr id="100" name="Group 99">
             <a:extLst>
               <a:ext uri="{FF2B5EF4-FFF2-40B4-BE49-F238E27FC236}">
-                <a16:creationId xmlns:a16="http://schemas.microsoft.com/office/drawing/2014/main" id="{FB3381F3-31F4-41FA-ABC7-799823D700A7}"/>
+                <a16:creationId xmlns:a16="http://schemas.microsoft.com/office/drawing/2014/main" id="{7ADE7C17-5848-4E0B-BFBF-F732E1F65568}"/>
               </a:ext>
             </a:extLst>
           </p:cNvPr>
@@ -6549,7 +5664,7 @@
         </p:nvGrpSpPr>
         <p:grpSpPr>
           <a:xfrm>
-            <a:off x="6301601" y="5152887"/>
+            <a:off x="5817863" y="5555057"/>
             <a:ext cx="736123" cy="698018"/>
             <a:chOff x="8936383" y="1729011"/>
             <a:chExt cx="736123" cy="698018"/>
@@ -6557,10 +5672,10 @@
         </p:grpSpPr>
         <p:sp>
           <p:nvSpPr>
-            <p:cNvPr id="55" name="Rectangle: Rounded Corners 54">
+            <p:cNvPr id="101" name="Rectangle: Rounded Corners 100">
               <a:extLst>
                 <a:ext uri="{FF2B5EF4-FFF2-40B4-BE49-F238E27FC236}">
-                  <a16:creationId xmlns:a16="http://schemas.microsoft.com/office/drawing/2014/main" id="{E4350A66-84F1-45AD-865D-9CA79778F79A}"/>
+                  <a16:creationId xmlns:a16="http://schemas.microsoft.com/office/drawing/2014/main" id="{6461ABFB-38CF-4A09-9657-A546CC884798}"/>
                 </a:ext>
               </a:extLst>
             </p:cNvPr>
@@ -6612,10 +5727,10 @@
         </p:sp>
         <p:pic>
           <p:nvPicPr>
-            <p:cNvPr id="56" name="Picture 2" descr="Bildergebnis fÃ¼r strom">
+            <p:cNvPr id="102" name="Picture 2" descr="Bildergebnis fÃ¼r strom">
               <a:extLst>
                 <a:ext uri="{FF2B5EF4-FFF2-40B4-BE49-F238E27FC236}">
-                  <a16:creationId xmlns:a16="http://schemas.microsoft.com/office/drawing/2014/main" id="{63DF19B5-E917-4FBC-95D1-A5BA5FF2B55B}"/>
+                  <a16:creationId xmlns:a16="http://schemas.microsoft.com/office/drawing/2014/main" id="{67F9BC08-967E-4E65-8F9C-B61738159FA4}"/>
                 </a:ext>
               </a:extLst>
             </p:cNvPr>
@@ -6625,7 +5740,7 @@
             <p:nvPr/>
           </p:nvPicPr>
           <p:blipFill>
-            <a:blip r:embed="rId9">
+            <a:blip r:embed="rId8">
               <a:extLst>
                 <a:ext uri="{28A0092B-C50C-407E-A947-70E740481C1C}">
                   <a14:useLocalDpi xmlns:a14="http://schemas.microsoft.com/office/drawing/2010/main" val="0"/>
@@ -6660,24 +5775,24 @@
       </p:grpSp>
       <p:cxnSp>
         <p:nvCxnSpPr>
-          <p:cNvPr id="57" name="Straight Arrow Connector 56">
+          <p:cNvPr id="103" name="Straight Arrow Connector 102">
             <a:extLst>
               <a:ext uri="{FF2B5EF4-FFF2-40B4-BE49-F238E27FC236}">
-                <a16:creationId xmlns:a16="http://schemas.microsoft.com/office/drawing/2014/main" id="{40C59BEC-2E86-4E8F-BD9C-7D7AAF802D8C}"/>
+                <a16:creationId xmlns:a16="http://schemas.microsoft.com/office/drawing/2014/main" id="{B4C2DC0B-933B-40AD-AB6B-59A298C00D3B}"/>
               </a:ext>
             </a:extLst>
           </p:cNvPr>
           <p:cNvCxnSpPr>
             <a:cxnSpLocks/>
-            <a:stCxn id="55" idx="1"/>
-            <a:endCxn id="123" idx="3"/>
+            <a:stCxn id="101" idx="0"/>
+            <a:endCxn id="81" idx="2"/>
           </p:cNvCxnSpPr>
           <p:nvPr/>
         </p:nvCxnSpPr>
         <p:spPr>
-          <a:xfrm flipH="1">
-            <a:off x="5964709" y="5501896"/>
-            <a:ext cx="336892" cy="1"/>
+          <a:xfrm flipV="1">
+            <a:off x="6185924" y="5357559"/>
+            <a:ext cx="0" cy="197498"/>
           </a:xfrm>
           <a:prstGeom prst="straightConnector1">
             <a:avLst/>
@@ -6711,10 +5826,10 @@
       </p:cxnSp>
       <p:sp>
         <p:nvSpPr>
-          <p:cNvPr id="60" name="Rectangle: Rounded Corners 59">
+          <p:cNvPr id="104" name="Rectangle: Rounded Corners 103">
             <a:extLst>
               <a:ext uri="{FF2B5EF4-FFF2-40B4-BE49-F238E27FC236}">
-                <a16:creationId xmlns:a16="http://schemas.microsoft.com/office/drawing/2014/main" id="{F52E15BA-2B62-4EEF-BB87-A8A763376AE1}"/>
+                <a16:creationId xmlns:a16="http://schemas.microsoft.com/office/drawing/2014/main" id="{5105A4F6-35BC-4718-8284-611F506119BC}"/>
               </a:ext>
             </a:extLst>
           </p:cNvPr>
@@ -6723,7 +5838,7 @@
         </p:nvSpPr>
         <p:spPr>
           <a:xfrm>
-            <a:off x="7388256" y="4359486"/>
+            <a:off x="7657881" y="3858327"/>
             <a:ext cx="967496" cy="361951"/>
           </a:xfrm>
           <a:prstGeom prst="roundRect">
@@ -6766,24 +5881,24 @@
       </p:sp>
       <p:cxnSp>
         <p:nvCxnSpPr>
-          <p:cNvPr id="61" name="Straight Arrow Connector 60">
+          <p:cNvPr id="105" name="Straight Arrow Connector 104">
             <a:extLst>
               <a:ext uri="{FF2B5EF4-FFF2-40B4-BE49-F238E27FC236}">
-                <a16:creationId xmlns:a16="http://schemas.microsoft.com/office/drawing/2014/main" id="{E8FECA25-DF99-47A7-8BA0-DC0242C80503}"/>
+                <a16:creationId xmlns:a16="http://schemas.microsoft.com/office/drawing/2014/main" id="{71DF6B8B-8CFA-4ECA-BBA7-A3EC6436C605}"/>
               </a:ext>
             </a:extLst>
           </p:cNvPr>
           <p:cNvCxnSpPr>
             <a:cxnSpLocks/>
-            <a:stCxn id="60" idx="2"/>
-            <a:endCxn id="122" idx="0"/>
+            <a:stCxn id="104" idx="2"/>
+            <a:endCxn id="80" idx="0"/>
           </p:cNvCxnSpPr>
           <p:nvPr/>
         </p:nvCxnSpPr>
         <p:spPr>
           <a:xfrm flipH="1">
-            <a:off x="7867725" y="4721437"/>
-            <a:ext cx="4279" cy="1179889"/>
+            <a:off x="8136275" y="4220277"/>
+            <a:ext cx="5354" cy="329618"/>
           </a:xfrm>
           <a:prstGeom prst="straightConnector1">
             <a:avLst/>
@@ -6817,10 +5932,10 @@
       </p:cxnSp>
       <p:sp>
         <p:nvSpPr>
-          <p:cNvPr id="2" name="&quot;Not Allowed&quot; Symbol 1">
+          <p:cNvPr id="107" name="Rectangle: Rounded Corners 106">
             <a:extLst>
               <a:ext uri="{FF2B5EF4-FFF2-40B4-BE49-F238E27FC236}">
-                <a16:creationId xmlns:a16="http://schemas.microsoft.com/office/drawing/2014/main" id="{F2D6AD19-E911-48BC-BF5E-A25091EBEA2F}"/>
+                <a16:creationId xmlns:a16="http://schemas.microsoft.com/office/drawing/2014/main" id="{E58BC4FD-0AA7-40F3-8BAE-98619F68FA14}"/>
               </a:ext>
             </a:extLst>
           </p:cNvPr>
@@ -6828,30 +5943,33 @@
           <p:nvPr/>
         </p:nvSpPr>
         <p:spPr>
-          <a:xfrm rot="5400000">
-            <a:off x="7410524" y="848483"/>
-            <a:ext cx="914400" cy="914400"/>
+          <a:xfrm>
+            <a:off x="2662282" y="2853273"/>
+            <a:ext cx="825537" cy="112619"/>
           </a:xfrm>
-          <a:prstGeom prst="noSmoking">
-            <a:avLst>
-              <a:gd name="adj" fmla="val 7841"/>
-            </a:avLst>
+          <a:prstGeom prst="roundRect">
+            <a:avLst/>
           </a:prstGeom>
           <a:solidFill>
-            <a:srgbClr val="FF0000"/>
+            <a:srgbClr val="00B050"/>
           </a:solidFill>
+          <a:ln>
+            <a:solidFill>
+              <a:schemeClr val="bg1">
+                <a:lumMod val="50000"/>
+              </a:schemeClr>
+            </a:solidFill>
+          </a:ln>
         </p:spPr>
         <p:style>
-          <a:lnRef idx="2">
-            <a:schemeClr val="accent1">
-              <a:shade val="50000"/>
-            </a:schemeClr>
+          <a:lnRef idx="3">
+            <a:schemeClr val="lt1"/>
           </a:lnRef>
           <a:fillRef idx="1">
-            <a:schemeClr val="accent1"/>
+            <a:schemeClr val="accent3"/>
           </a:fillRef>
-          <a:effectRef idx="0">
-            <a:schemeClr val="accent1"/>
+          <a:effectRef idx="1">
+            <a:schemeClr val="accent3"/>
           </a:effectRef>
           <a:fontRef idx="minor">
             <a:schemeClr val="lt1"/>
@@ -6862,9 +5980,95 @@
           <a:lstStyle/>
           <a:p>
             <a:pPr algn="ctr"/>
-            <a:endParaRPr lang="de-DE">
+            <a:r>
+              <a:rPr lang="de-DE" sz="900" dirty="0">
+                <a:solidFill>
+                  <a:schemeClr val="tx1">
+                    <a:lumMod val="65000"/>
+                    <a:lumOff val="35000"/>
+                  </a:schemeClr>
+                </a:solidFill>
+              </a:rPr>
+              <a:t>192.168.144</a:t>
+            </a:r>
+            <a:endParaRPr lang="de-DE" sz="900" b="1" dirty="0">
               <a:solidFill>
-                <a:schemeClr val="tx1"/>
+                <a:schemeClr val="tx1">
+                  <a:lumMod val="65000"/>
+                  <a:lumOff val="35000"/>
+                </a:schemeClr>
+              </a:solidFill>
+            </a:endParaRPr>
+          </a:p>
+        </p:txBody>
+      </p:sp>
+      <p:sp>
+        <p:nvSpPr>
+          <p:cNvPr id="109" name="Rectangle: Rounded Corners 108">
+            <a:extLst>
+              <a:ext uri="{FF2B5EF4-FFF2-40B4-BE49-F238E27FC236}">
+                <a16:creationId xmlns:a16="http://schemas.microsoft.com/office/drawing/2014/main" id="{B23D781C-5AA4-4162-B91E-292E8A5DD63B}"/>
+              </a:ext>
+            </a:extLst>
+          </p:cNvPr>
+          <p:cNvSpPr/>
+          <p:nvPr/>
+        </p:nvSpPr>
+        <p:spPr>
+          <a:xfrm>
+            <a:off x="7235479" y="2522044"/>
+            <a:ext cx="825537" cy="112619"/>
+          </a:xfrm>
+          <a:prstGeom prst="roundRect">
+            <a:avLst/>
+          </a:prstGeom>
+          <a:solidFill>
+            <a:srgbClr val="00B050"/>
+          </a:solidFill>
+          <a:ln>
+            <a:solidFill>
+              <a:schemeClr val="bg1">
+                <a:lumMod val="50000"/>
+              </a:schemeClr>
+            </a:solidFill>
+          </a:ln>
+        </p:spPr>
+        <p:style>
+          <a:lnRef idx="3">
+            <a:schemeClr val="lt1"/>
+          </a:lnRef>
+          <a:fillRef idx="1">
+            <a:schemeClr val="accent3"/>
+          </a:fillRef>
+          <a:effectRef idx="1">
+            <a:schemeClr val="accent3"/>
+          </a:effectRef>
+          <a:fontRef idx="minor">
+            <a:schemeClr val="lt1"/>
+          </a:fontRef>
+        </p:style>
+        <p:txBody>
+          <a:bodyPr rtlCol="0" anchor="ctr"/>
+          <a:lstStyle/>
+          <a:p>
+            <a:pPr algn="ctr"/>
+            <a:r>
+              <a:rPr lang="de-DE" sz="900" dirty="0">
+                <a:solidFill>
+                  <a:schemeClr val="tx1">
+                    <a:lumMod val="65000"/>
+                    <a:lumOff val="35000"/>
+                  </a:schemeClr>
+                </a:solidFill>
+              </a:rPr>
+              <a:t>192.168.140</a:t>
+            </a:r>
+            <a:endParaRPr lang="de-DE" sz="900" b="1" dirty="0">
+              <a:solidFill>
+                <a:schemeClr val="tx1">
+                  <a:lumMod val="65000"/>
+                  <a:lumOff val="35000"/>
+                </a:schemeClr>
               </a:solidFill>
             </a:endParaRPr>
           </a:p>
@@ -6873,7 +6077,7 @@
     </p:spTree>
     <p:extLst>
       <p:ext uri="{BB962C8B-B14F-4D97-AF65-F5344CB8AC3E}">
-        <p14:creationId xmlns:p14="http://schemas.microsoft.com/office/powerpoint/2010/main" val="867983266"/>
+        <p14:creationId xmlns:p14="http://schemas.microsoft.com/office/powerpoint/2010/main" val="1028015218"/>
       </p:ext>
     </p:extLst>
   </p:cSld>
@@ -6886,7 +6090,7 @@
 <file path=ppt/theme/theme1.xml><?xml version="1.0" encoding="utf-8"?>
 <a:theme xmlns:a="http://schemas.openxmlformats.org/drawingml/2006/main" name="Office Theme">
   <a:themeElements>
-    <a:clrScheme name="Office">
+    <a:clrScheme name="Office Theme">
       <a:dk1>
         <a:sysClr val="windowText" lastClr="000000"/>
       </a:dk1>
@@ -6924,7 +6128,7 @@
         <a:srgbClr val="954F72"/>
       </a:folHlink>
     </a:clrScheme>
-    <a:fontScheme name="Office">
+    <a:fontScheme name="Office Theme">
       <a:majorFont>
         <a:latin typeface="Calibri Light" panose="020F0302020204030204"/>
         <a:ea typeface=""/>
@@ -6959,23 +6163,6 @@
         <a:font script="Viet" typeface="Times New Roman"/>
         <a:font script="Uigh" typeface="Microsoft Uighur"/>
         <a:font script="Geor" typeface="Sylfaen"/>
-        <a:font script="Armn" typeface="Arial"/>
-        <a:font script="Bugi" typeface="Leelawadee UI"/>
-        <a:font script="Bopo" typeface="Microsoft JhengHei"/>
-        <a:font script="Java" typeface="Javanese Text"/>
-        <a:font script="Lisu" typeface="Segoe UI"/>
-        <a:font script="Mymr" typeface="Myanmar Text"/>
-        <a:font script="Nkoo" typeface="Ebrima"/>
-        <a:font script="Olck" typeface="Nirmala UI"/>
-        <a:font script="Osma" typeface="Ebrima"/>
-        <a:font script="Phag" typeface="Phagspa"/>
-        <a:font script="Syrn" typeface="Estrangelo Edessa"/>
-        <a:font script="Syrj" typeface="Estrangelo Edessa"/>
-        <a:font script="Syre" typeface="Estrangelo Edessa"/>
-        <a:font script="Sora" typeface="Nirmala UI"/>
-        <a:font script="Tale" typeface="Microsoft Tai Le"/>
-        <a:font script="Talu" typeface="Microsoft New Tai Lue"/>
-        <a:font script="Tfng" typeface="Ebrima"/>
       </a:majorFont>
       <a:minorFont>
         <a:latin typeface="Calibri" panose="020F0502020204030204"/>
@@ -7011,26 +6198,9 @@
         <a:font script="Viet" typeface="Arial"/>
         <a:font script="Uigh" typeface="Microsoft Uighur"/>
         <a:font script="Geor" typeface="Sylfaen"/>
-        <a:font script="Armn" typeface="Arial"/>
-        <a:font script="Bugi" typeface="Leelawadee UI"/>
-        <a:font script="Bopo" typeface="Microsoft JhengHei"/>
-        <a:font script="Java" typeface="Javanese Text"/>
-        <a:font script="Lisu" typeface="Segoe UI"/>
-        <a:font script="Mymr" typeface="Myanmar Text"/>
-        <a:font script="Nkoo" typeface="Ebrima"/>
-        <a:font script="Olck" typeface="Nirmala UI"/>
-        <a:font script="Osma" typeface="Ebrima"/>
-        <a:font script="Phag" typeface="Phagspa"/>
-        <a:font script="Syrn" typeface="Estrangelo Edessa"/>
-        <a:font script="Syrj" typeface="Estrangelo Edessa"/>
-        <a:font script="Syre" typeface="Estrangelo Edessa"/>
-        <a:font script="Sora" typeface="Nirmala UI"/>
-        <a:font script="Tale" typeface="Microsoft Tai Le"/>
-        <a:font script="Talu" typeface="Microsoft New Tai Lue"/>
-        <a:font script="Tfng" typeface="Ebrima"/>
       </a:minorFont>
     </a:fontScheme>
-    <a:fmtScheme name="Office">
+    <a:fmtScheme name="Office Theme">
       <a:fillStyleLst>
         <a:solidFill>
           <a:schemeClr val="phClr"/>
